--- a/doc/src/lionengine.pptx
+++ b/doc/src/lionengine.pptx
@@ -6741,80 +6741,6 @@
         </a:p>
       </dgm:t>
     </dgm:pt>
-    <dgm:pt modelId="{E76EDDE3-B2A9-4683-8B8F-02CBDD4E14F6}">
-      <dgm:prSet phldrT="[Texte]"/>
-      <dgm:spPr/>
-      <dgm:t>
-        <a:bodyPr/>
-        <a:lstStyle/>
-        <a:p>
-          <a:r>
-            <a:rPr lang="fr-FR" dirty="0" smtClean="0"/>
-            <a:t>Input</a:t>
-          </a:r>
-          <a:endParaRPr lang="fr-FR" dirty="0"/>
-        </a:p>
-      </dgm:t>
-    </dgm:pt>
-    <dgm:pt modelId="{740FFFCA-01FD-453E-927F-6D9F4A29488D}" type="parTrans" cxnId="{572ECDF6-9FDB-4705-8FC2-B5BDA5C062BB}">
-      <dgm:prSet/>
-      <dgm:spPr/>
-      <dgm:t>
-        <a:bodyPr/>
-        <a:lstStyle/>
-        <a:p>
-          <a:endParaRPr lang="fr-FR"/>
-        </a:p>
-      </dgm:t>
-    </dgm:pt>
-    <dgm:pt modelId="{F87D8F70-857E-4C29-A00E-CEFFF5C47C0E}" type="sibTrans" cxnId="{572ECDF6-9FDB-4705-8FC2-B5BDA5C062BB}">
-      <dgm:prSet/>
-      <dgm:spPr/>
-      <dgm:t>
-        <a:bodyPr/>
-        <a:lstStyle/>
-        <a:p>
-          <a:endParaRPr lang="fr-FR"/>
-        </a:p>
-      </dgm:t>
-    </dgm:pt>
-    <dgm:pt modelId="{6135F53E-90B1-4DBC-A33F-F8385E2B3F88}">
-      <dgm:prSet phldrT="[Texte]"/>
-      <dgm:spPr/>
-      <dgm:t>
-        <a:bodyPr/>
-        <a:lstStyle/>
-        <a:p>
-          <a:r>
-            <a:rPr lang="fr-FR" dirty="0" smtClean="0"/>
-            <a:t>Utility</a:t>
-          </a:r>
-          <a:endParaRPr lang="fr-FR" dirty="0"/>
-        </a:p>
-      </dgm:t>
-    </dgm:pt>
-    <dgm:pt modelId="{3B1E59DB-9B28-40F2-844D-AED888D2BCC9}" type="parTrans" cxnId="{E6229702-4EDC-4E3E-928F-C5F7F72E007F}">
-      <dgm:prSet/>
-      <dgm:spPr/>
-      <dgm:t>
-        <a:bodyPr/>
-        <a:lstStyle/>
-        <a:p>
-          <a:endParaRPr lang="fr-FR"/>
-        </a:p>
-      </dgm:t>
-    </dgm:pt>
-    <dgm:pt modelId="{981C1080-01DE-4A06-84CC-C0981388AC01}" type="sibTrans" cxnId="{E6229702-4EDC-4E3E-928F-C5F7F72E007F}">
-      <dgm:prSet/>
-      <dgm:spPr/>
-      <dgm:t>
-        <a:bodyPr/>
-        <a:lstStyle/>
-        <a:p>
-          <a:endParaRPr lang="fr-FR"/>
-        </a:p>
-      </dgm:t>
-    </dgm:pt>
     <dgm:pt modelId="{1AFAA640-80AC-4484-9644-A2C0E46C71AE}">
       <dgm:prSet/>
       <dgm:spPr/>
@@ -6878,7 +6804,7 @@
       <dgm:spPr/>
     </dgm:pt>
     <dgm:pt modelId="{12AA5828-EA59-467E-A802-FA02470A5FCA}" type="pres">
-      <dgm:prSet presAssocID="{DC064894-6A42-4AD7-BAF4-D69F41465C73}" presName="centerShape" presStyleLbl="vennNode1" presStyleIdx="0" presStyleCnt="7"/>
+      <dgm:prSet presAssocID="{DC064894-6A42-4AD7-BAF4-D69F41465C73}" presName="centerShape" presStyleLbl="vennNode1" presStyleIdx="0" presStyleCnt="5"/>
       <dgm:spPr/>
       <dgm:t>
         <a:bodyPr/>
@@ -6889,7 +6815,7 @@
       </dgm:t>
     </dgm:pt>
     <dgm:pt modelId="{344A7221-815F-426B-B422-45F204A2BB50}" type="pres">
-      <dgm:prSet presAssocID="{374590A3-9640-4FB6-A28A-E2B60068BBE8}" presName="node" presStyleLbl="vennNode1" presStyleIdx="1" presStyleCnt="7">
+      <dgm:prSet presAssocID="{374590A3-9640-4FB6-A28A-E2B60068BBE8}" presName="node" presStyleLbl="vennNode1" presStyleIdx="1" presStyleCnt="5">
         <dgm:presLayoutVars>
           <dgm:bulletEnabled val="1"/>
         </dgm:presLayoutVars>
@@ -6904,15 +6830,22 @@
       </dgm:t>
     </dgm:pt>
     <dgm:pt modelId="{2A7E91C4-76CB-4721-B3D5-4E10FA695679}" type="pres">
-      <dgm:prSet presAssocID="{1AFAA640-80AC-4484-9644-A2C0E46C71AE}" presName="node" presStyleLbl="vennNode1" presStyleIdx="2" presStyleCnt="7">
+      <dgm:prSet presAssocID="{1AFAA640-80AC-4484-9644-A2C0E46C71AE}" presName="node" presStyleLbl="vennNode1" presStyleIdx="2" presStyleCnt="5">
         <dgm:presLayoutVars>
           <dgm:bulletEnabled val="1"/>
         </dgm:presLayoutVars>
       </dgm:prSet>
       <dgm:spPr/>
+      <dgm:t>
+        <a:bodyPr/>
+        <a:lstStyle/>
+        <a:p>
+          <a:endParaRPr lang="fr-FR"/>
+        </a:p>
+      </dgm:t>
     </dgm:pt>
     <dgm:pt modelId="{78072E67-AF67-48FA-BDCD-99E29DE7D183}" type="pres">
-      <dgm:prSet presAssocID="{EB18D41C-BDFD-42DA-88F8-9DD6C17305D2}" presName="node" presStyleLbl="vennNode1" presStyleIdx="3" presStyleCnt="7">
+      <dgm:prSet presAssocID="{EB18D41C-BDFD-42DA-88F8-9DD6C17305D2}" presName="node" presStyleLbl="vennNode1" presStyleIdx="3" presStyleCnt="5">
         <dgm:presLayoutVars>
           <dgm:bulletEnabled val="1"/>
         </dgm:presLayoutVars>
@@ -6927,37 +6860,7 @@
       </dgm:t>
     </dgm:pt>
     <dgm:pt modelId="{795110FA-EAA4-4001-8B50-4541BB71D1EC}" type="pres">
-      <dgm:prSet presAssocID="{8AEF435A-0464-43B2-B91E-906DD266D617}" presName="node" presStyleLbl="vennNode1" presStyleIdx="4" presStyleCnt="7">
-        <dgm:presLayoutVars>
-          <dgm:bulletEnabled val="1"/>
-        </dgm:presLayoutVars>
-      </dgm:prSet>
-      <dgm:spPr/>
-      <dgm:t>
-        <a:bodyPr/>
-        <a:lstStyle/>
-        <a:p>
-          <a:endParaRPr lang="fr-FR"/>
-        </a:p>
-      </dgm:t>
-    </dgm:pt>
-    <dgm:pt modelId="{633C601A-275C-4BD3-A871-987CCF774291}" type="pres">
-      <dgm:prSet presAssocID="{E76EDDE3-B2A9-4683-8B8F-02CBDD4E14F6}" presName="node" presStyleLbl="vennNode1" presStyleIdx="5" presStyleCnt="7">
-        <dgm:presLayoutVars>
-          <dgm:bulletEnabled val="1"/>
-        </dgm:presLayoutVars>
-      </dgm:prSet>
-      <dgm:spPr/>
-      <dgm:t>
-        <a:bodyPr/>
-        <a:lstStyle/>
-        <a:p>
-          <a:endParaRPr lang="fr-FR"/>
-        </a:p>
-      </dgm:t>
-    </dgm:pt>
-    <dgm:pt modelId="{9E127826-0586-499C-8840-900B10F2B44D}" type="pres">
-      <dgm:prSet presAssocID="{6135F53E-90B1-4DBC-A33F-F8385E2B3F88}" presName="node" presStyleLbl="vennNode1" presStyleIdx="6" presStyleCnt="7">
+      <dgm:prSet presAssocID="{8AEF435A-0464-43B2-B91E-906DD266D617}" presName="node" presStyleLbl="vennNode1" presStyleIdx="4" presStyleCnt="5">
         <dgm:presLayoutVars>
           <dgm:bulletEnabled val="1"/>
         </dgm:presLayoutVars>
@@ -6976,26 +6879,20 @@
     <dgm:cxn modelId="{E9CFA00D-9285-4549-84C0-3BDB9FC97285}" type="presOf" srcId="{8AEF435A-0464-43B2-B91E-906DD266D617}" destId="{795110FA-EAA4-4001-8B50-4541BB71D1EC}" srcOrd="0" destOrd="0" presId="urn:microsoft.com/office/officeart/2005/8/layout/radial3"/>
     <dgm:cxn modelId="{8564C4E5-D039-4239-B201-5DF8EF56B6CA}" srcId="{DC064894-6A42-4AD7-BAF4-D69F41465C73}" destId="{8AEF435A-0464-43B2-B91E-906DD266D617}" srcOrd="3" destOrd="0" parTransId="{67B5FF21-D565-4F5E-ACA6-7046DC020A91}" sibTransId="{24102B90-9141-4B5B-8C0C-3DEA63715B2C}"/>
     <dgm:cxn modelId="{9DF4EA8A-8F9C-4697-BBDC-B3159CFABCEB}" type="presOf" srcId="{374590A3-9640-4FB6-A28A-E2B60068BBE8}" destId="{344A7221-815F-426B-B422-45F204A2BB50}" srcOrd="0" destOrd="0" presId="urn:microsoft.com/office/officeart/2005/8/layout/radial3"/>
-    <dgm:cxn modelId="{2BD17686-2CFD-4E84-8BC6-4873D62FC332}" type="presOf" srcId="{E76EDDE3-B2A9-4683-8B8F-02CBDD4E14F6}" destId="{633C601A-275C-4BD3-A871-987CCF774291}" srcOrd="0" destOrd="0" presId="urn:microsoft.com/office/officeart/2005/8/layout/radial3"/>
     <dgm:cxn modelId="{BE1D3402-38F9-4669-AE4B-035FADDD196F}" srcId="{DC064894-6A42-4AD7-BAF4-D69F41465C73}" destId="{EB18D41C-BDFD-42DA-88F8-9DD6C17305D2}" srcOrd="2" destOrd="0" parTransId="{81D857C5-3675-40E5-A9D4-87F9E19CE06D}" sibTransId="{05311F57-F18D-4827-BC3F-543227AF0CD8}"/>
     <dgm:cxn modelId="{76F139AF-EE7D-41B8-A94C-78ECBB5A2868}" type="presOf" srcId="{1AFAA640-80AC-4484-9644-A2C0E46C71AE}" destId="{2A7E91C4-76CB-4721-B3D5-4E10FA695679}" srcOrd="0" destOrd="0" presId="urn:microsoft.com/office/officeart/2005/8/layout/radial3"/>
     <dgm:cxn modelId="{845C22AB-F8A6-44BF-84A3-1025EA47A136}" type="presOf" srcId="{DC064894-6A42-4AD7-BAF4-D69F41465C73}" destId="{12AA5828-EA59-467E-A802-FA02470A5FCA}" srcOrd="0" destOrd="0" presId="urn:microsoft.com/office/officeart/2005/8/layout/radial3"/>
     <dgm:cxn modelId="{B3EF336B-9E31-4E8E-AA15-FCFD9A986A32}" srcId="{DC064894-6A42-4AD7-BAF4-D69F41465C73}" destId="{1AFAA640-80AC-4484-9644-A2C0E46C71AE}" srcOrd="1" destOrd="0" parTransId="{260074B3-1A3F-4F92-A7E2-F1B14FF4D570}" sibTransId="{09BE3009-A15C-4CF2-9A5E-DFD68823F325}"/>
-    <dgm:cxn modelId="{C58E1B8C-D46C-417F-8C55-67D6CF6264B3}" type="presOf" srcId="{6135F53E-90B1-4DBC-A33F-F8385E2B3F88}" destId="{9E127826-0586-499C-8840-900B10F2B44D}" srcOrd="0" destOrd="0" presId="urn:microsoft.com/office/officeart/2005/8/layout/radial3"/>
     <dgm:cxn modelId="{486CD393-5E02-4366-9CA5-AEB1C3FB98F4}" srcId="{0FC4C2C7-D0F5-43E7-B7CD-CC8FFDCC95EC}" destId="{DC064894-6A42-4AD7-BAF4-D69F41465C73}" srcOrd="0" destOrd="0" parTransId="{01D6B8F3-0843-4C74-AFFC-D87FB858175C}" sibTransId="{297CB09C-5090-4CB3-95A5-C19E7C9706F3}"/>
     <dgm:cxn modelId="{ABEF0DE1-96F6-4197-86D1-E91D1056EDD5}" type="presOf" srcId="{0FC4C2C7-D0F5-43E7-B7CD-CC8FFDCC95EC}" destId="{CFA77F99-9B57-4B85-8F36-9E8152D51015}" srcOrd="0" destOrd="0" presId="urn:microsoft.com/office/officeart/2005/8/layout/radial3"/>
     <dgm:cxn modelId="{044A3ACA-33D0-40AC-9684-528B0F96E251}" type="presOf" srcId="{EB18D41C-BDFD-42DA-88F8-9DD6C17305D2}" destId="{78072E67-AF67-48FA-BDCD-99E29DE7D183}" srcOrd="0" destOrd="0" presId="urn:microsoft.com/office/officeart/2005/8/layout/radial3"/>
     <dgm:cxn modelId="{83B7777A-19EA-45D9-B224-AAA146986DE0}" srcId="{DC064894-6A42-4AD7-BAF4-D69F41465C73}" destId="{374590A3-9640-4FB6-A28A-E2B60068BBE8}" srcOrd="0" destOrd="0" parTransId="{107FE185-174C-418D-97EA-1F302FC2FFA6}" sibTransId="{D1258BD4-5149-4D10-A8FE-D92827B6A55A}"/>
-    <dgm:cxn modelId="{572ECDF6-9FDB-4705-8FC2-B5BDA5C062BB}" srcId="{DC064894-6A42-4AD7-BAF4-D69F41465C73}" destId="{E76EDDE3-B2A9-4683-8B8F-02CBDD4E14F6}" srcOrd="4" destOrd="0" parTransId="{740FFFCA-01FD-453E-927F-6D9F4A29488D}" sibTransId="{F87D8F70-857E-4C29-A00E-CEFFF5C47C0E}"/>
-    <dgm:cxn modelId="{E6229702-4EDC-4E3E-928F-C5F7F72E007F}" srcId="{DC064894-6A42-4AD7-BAF4-D69F41465C73}" destId="{6135F53E-90B1-4DBC-A33F-F8385E2B3F88}" srcOrd="5" destOrd="0" parTransId="{3B1E59DB-9B28-40F2-844D-AED888D2BCC9}" sibTransId="{981C1080-01DE-4A06-84CC-C0981388AC01}"/>
     <dgm:cxn modelId="{F68499DF-D415-47A3-B658-98B2DB8D8C42}" type="presParOf" srcId="{CFA77F99-9B57-4B85-8F36-9E8152D51015}" destId="{BCA1FA56-786E-4313-AC5C-AB8542BCCA4E}" srcOrd="0" destOrd="0" presId="urn:microsoft.com/office/officeart/2005/8/layout/radial3"/>
     <dgm:cxn modelId="{3DF9537E-6A76-475E-AAF9-78A07F8611EC}" type="presParOf" srcId="{BCA1FA56-786E-4313-AC5C-AB8542BCCA4E}" destId="{12AA5828-EA59-467E-A802-FA02470A5FCA}" srcOrd="0" destOrd="0" presId="urn:microsoft.com/office/officeart/2005/8/layout/radial3"/>
     <dgm:cxn modelId="{774E7407-7CB1-4638-9126-6456511C75A7}" type="presParOf" srcId="{BCA1FA56-786E-4313-AC5C-AB8542BCCA4E}" destId="{344A7221-815F-426B-B422-45F204A2BB50}" srcOrd="1" destOrd="0" presId="urn:microsoft.com/office/officeart/2005/8/layout/radial3"/>
     <dgm:cxn modelId="{D83D9FD8-43D1-401A-8954-5627C6E63C0D}" type="presParOf" srcId="{BCA1FA56-786E-4313-AC5C-AB8542BCCA4E}" destId="{2A7E91C4-76CB-4721-B3D5-4E10FA695679}" srcOrd="2" destOrd="0" presId="urn:microsoft.com/office/officeart/2005/8/layout/radial3"/>
     <dgm:cxn modelId="{60D16F0F-AD9B-4B14-A5C4-B7A4BCDF1FCE}" type="presParOf" srcId="{BCA1FA56-786E-4313-AC5C-AB8542BCCA4E}" destId="{78072E67-AF67-48FA-BDCD-99E29DE7D183}" srcOrd="3" destOrd="0" presId="urn:microsoft.com/office/officeart/2005/8/layout/radial3"/>
     <dgm:cxn modelId="{991D6B45-7F62-4591-9EFA-B5F1BCE13943}" type="presParOf" srcId="{BCA1FA56-786E-4313-AC5C-AB8542BCCA4E}" destId="{795110FA-EAA4-4001-8B50-4541BB71D1EC}" srcOrd="4" destOrd="0" presId="urn:microsoft.com/office/officeart/2005/8/layout/radial3"/>
-    <dgm:cxn modelId="{F3CC1BEB-F83C-40F9-A059-4B211A607C84}" type="presParOf" srcId="{BCA1FA56-786E-4313-AC5C-AB8542BCCA4E}" destId="{633C601A-275C-4BD3-A871-987CCF774291}" srcOrd="5" destOrd="0" presId="urn:microsoft.com/office/officeart/2005/8/layout/radial3"/>
-    <dgm:cxn modelId="{B1560E46-B2D5-4654-9287-4691E5B27F51}" type="presParOf" srcId="{BCA1FA56-786E-4313-AC5C-AB8542BCCA4E}" destId="{9E127826-0586-499C-8840-900B10F2B44D}" srcOrd="6" destOrd="0" presId="urn:microsoft.com/office/officeart/2005/8/layout/radial3"/>
   </dgm:cxnLst>
   <dgm:bg/>
   <dgm:whole/>
@@ -8114,33 +8011,33 @@
     </dgm:pt>
   </dgm:ptLst>
   <dgm:cxnLst>
+    <dgm:cxn modelId="{E09CA1D2-F08A-4666-9AA9-F7786A3E0428}" type="presOf" srcId="{091B7782-2D30-4333-A55E-8CECC74DB492}" destId="{0FF4ABFC-DE49-4887-B4BA-73FF94DF307D}" srcOrd="0" destOrd="0" presId="urn:microsoft.com/office/officeart/2008/layout/HorizontalMultiLevelHierarchy"/>
+    <dgm:cxn modelId="{CFAE0AFD-177F-4504-9C97-AEA454111B9E}" type="presOf" srcId="{1264D4DB-D5D8-449E-9B04-BCCDCA8C1676}" destId="{0998D769-BFB6-4A53-A28A-923651A15182}" srcOrd="0" destOrd="0" presId="urn:microsoft.com/office/officeart/2008/layout/HorizontalMultiLevelHierarchy"/>
+    <dgm:cxn modelId="{CBBDD985-E945-46AF-BB6D-7A668389E1E6}" type="presOf" srcId="{9F16F964-7B62-4D11-8C35-2F21A9BEE134}" destId="{D042E513-2053-4A9F-9F56-BF49F9835DEB}" srcOrd="0" destOrd="0" presId="urn:microsoft.com/office/officeart/2008/layout/HorizontalMultiLevelHierarchy"/>
+    <dgm:cxn modelId="{3D317A63-3A71-4456-89AA-F91779A90E2D}" srcId="{88725D9E-F888-44FB-A4AA-FAEE7F9DE13E}" destId="{24391769-8DA3-4CDE-9EEB-117D08E15309}" srcOrd="0" destOrd="0" parTransId="{01DE0B4E-0F45-4F9D-AC8B-B7CEC6F26593}" sibTransId="{DE33FC3F-B9D5-4F07-BA0D-709A7DD0EAA6}"/>
+    <dgm:cxn modelId="{FAD5B944-D6B8-401C-B777-072D87EB355B}" type="presOf" srcId="{1264D4DB-D5D8-449E-9B04-BCCDCA8C1676}" destId="{534B11A2-D193-4E9F-86CF-2FB4F2FBA248}" srcOrd="1" destOrd="0" presId="urn:microsoft.com/office/officeart/2008/layout/HorizontalMultiLevelHierarchy"/>
+    <dgm:cxn modelId="{5C923E1A-2B0A-49E0-8198-E318CB80C025}" srcId="{CEA37C44-68F2-4EF6-B711-9EF88CD1AE03}" destId="{9F16F964-7B62-4D11-8C35-2F21A9BEE134}" srcOrd="2" destOrd="0" parTransId="{28A92671-B01F-4392-AB5A-55CACA596B69}" sibTransId="{E669EFA8-E62B-451A-9F45-8B80CCB23CF0}"/>
+    <dgm:cxn modelId="{D4E0EA40-4FA0-439D-BA69-DA5E95F11095}" srcId="{CEA37C44-68F2-4EF6-B711-9EF88CD1AE03}" destId="{091B7782-2D30-4333-A55E-8CECC74DB492}" srcOrd="1" destOrd="0" parTransId="{1264D4DB-D5D8-449E-9B04-BCCDCA8C1676}" sibTransId="{E86040AA-0E32-4C98-A660-79E228078A2E}"/>
+    <dgm:cxn modelId="{D18E6B7C-D726-4833-9526-F97EA95D1F02}" type="presOf" srcId="{FC80CF7D-00C1-497C-A55D-AAC8AC64D5B1}" destId="{B08E88D7-1D4E-4780-9EDE-4B4E69D814E3}" srcOrd="1" destOrd="0" presId="urn:microsoft.com/office/officeart/2008/layout/HorizontalMultiLevelHierarchy"/>
+    <dgm:cxn modelId="{6293365E-E921-4842-A97C-747247611822}" srcId="{FAD6D03F-3E10-4DD2-8B79-36BFCDE7DC42}" destId="{CEA37C44-68F2-4EF6-B711-9EF88CD1AE03}" srcOrd="0" destOrd="0" parTransId="{FC80CF7D-00C1-497C-A55D-AAC8AC64D5B1}" sibTransId="{7D733F90-D6AE-4B7F-B263-97640C05AC7D}"/>
+    <dgm:cxn modelId="{C512CA1A-0D09-41C7-ADDE-A6712AA67B34}" type="presOf" srcId="{88725D9E-F888-44FB-A4AA-FAEE7F9DE13E}" destId="{514F5308-2500-4B5E-847F-867583320C6F}" srcOrd="0" destOrd="0" presId="urn:microsoft.com/office/officeart/2008/layout/HorizontalMultiLevelHierarchy"/>
+    <dgm:cxn modelId="{152BC47D-7DAF-41C7-812A-AF482F4BD93C}" type="presOf" srcId="{110FB007-EBAD-48E6-84C2-A77ACB66303E}" destId="{614DD018-F8A0-4A17-B628-99DCCF1E214B}" srcOrd="1" destOrd="0" presId="urn:microsoft.com/office/officeart/2008/layout/HorizontalMultiLevelHierarchy"/>
+    <dgm:cxn modelId="{BB61AC21-F2DC-435B-BB50-6B8496F25D13}" type="presOf" srcId="{716547A2-14A1-413E-944F-7A78A65D372D}" destId="{34919925-64B6-40F2-B468-A755776BCD55}" srcOrd="1" destOrd="0" presId="urn:microsoft.com/office/officeart/2008/layout/HorizontalMultiLevelHierarchy"/>
+    <dgm:cxn modelId="{8F25429A-B703-4A45-9D59-AEBCED49914B}" type="presOf" srcId="{FAD6D03F-3E10-4DD2-8B79-36BFCDE7DC42}" destId="{40CD02FF-C8CD-4939-93E1-49481CE5BD71}" srcOrd="0" destOrd="0" presId="urn:microsoft.com/office/officeart/2008/layout/HorizontalMultiLevelHierarchy"/>
+    <dgm:cxn modelId="{EBE5DB11-FCAA-408B-8D20-2629D17B0D60}" type="presOf" srcId="{FC80CF7D-00C1-497C-A55D-AAC8AC64D5B1}" destId="{1715F0CC-4F98-424C-AC87-E61765EF7246}" srcOrd="0" destOrd="0" presId="urn:microsoft.com/office/officeart/2008/layout/HorizontalMultiLevelHierarchy"/>
+    <dgm:cxn modelId="{D05B90FD-D503-49AD-8BDD-89857631A34F}" srcId="{24391769-8DA3-4CDE-9EEB-117D08E15309}" destId="{FAD6D03F-3E10-4DD2-8B79-36BFCDE7DC42}" srcOrd="0" destOrd="0" parTransId="{110FB007-EBAD-48E6-84C2-A77ACB66303E}" sibTransId="{D2603103-0468-4A2C-85F7-389A6237D91D}"/>
+    <dgm:cxn modelId="{DD104D7C-DA32-4A22-9B97-3FE450EB956C}" type="presOf" srcId="{57C3DDFB-86F6-424D-B421-DFE0922C0EA2}" destId="{9EB3CBC8-953F-4291-90C9-418AE59282CC}" srcOrd="0" destOrd="0" presId="urn:microsoft.com/office/officeart/2008/layout/HorizontalMultiLevelHierarchy"/>
+    <dgm:cxn modelId="{D09DAD16-B3D7-400F-AF1F-84D9436413AC}" type="presOf" srcId="{716547A2-14A1-413E-944F-7A78A65D372D}" destId="{48775C69-83D0-4B05-B725-03DBDF9F1F0A}" srcOrd="0" destOrd="0" presId="urn:microsoft.com/office/officeart/2008/layout/HorizontalMultiLevelHierarchy"/>
+    <dgm:cxn modelId="{D9E1E553-40EF-4B9A-862E-24E7814339D5}" type="presOf" srcId="{28A92671-B01F-4392-AB5A-55CACA596B69}" destId="{880615E9-12D3-4CC8-8F5B-467BF5A87556}" srcOrd="1" destOrd="0" presId="urn:microsoft.com/office/officeart/2008/layout/HorizontalMultiLevelHierarchy"/>
+    <dgm:cxn modelId="{AF465A11-70D0-40AA-834C-914EF5BEC05A}" srcId="{CEA37C44-68F2-4EF6-B711-9EF88CD1AE03}" destId="{B2CA9537-42E6-4645-A93E-29F50A55C33A}" srcOrd="3" destOrd="0" parTransId="{210B2556-60D2-447E-A060-ED93A911D2D9}" sibTransId="{C8C29206-BC9F-42AE-8191-39494645B8A8}"/>
     <dgm:cxn modelId="{C688FDD8-6DB5-43DE-8A15-DB1E63A3DA2F}" type="presOf" srcId="{CEA37C44-68F2-4EF6-B711-9EF88CD1AE03}" destId="{AF019803-4622-4601-B731-92956E5F61ED}" srcOrd="0" destOrd="0" presId="urn:microsoft.com/office/officeart/2008/layout/HorizontalMultiLevelHierarchy"/>
-    <dgm:cxn modelId="{C512CA1A-0D09-41C7-ADDE-A6712AA67B34}" type="presOf" srcId="{88725D9E-F888-44FB-A4AA-FAEE7F9DE13E}" destId="{514F5308-2500-4B5E-847F-867583320C6F}" srcOrd="0" destOrd="0" presId="urn:microsoft.com/office/officeart/2008/layout/HorizontalMultiLevelHierarchy"/>
-    <dgm:cxn modelId="{D9E1E553-40EF-4B9A-862E-24E7814339D5}" type="presOf" srcId="{28A92671-B01F-4392-AB5A-55CACA596B69}" destId="{880615E9-12D3-4CC8-8F5B-467BF5A87556}" srcOrd="1" destOrd="0" presId="urn:microsoft.com/office/officeart/2008/layout/HorizontalMultiLevelHierarchy"/>
+    <dgm:cxn modelId="{1157ACD8-2E05-4B7E-B3A0-F1935A75D3A5}" type="presOf" srcId="{24391769-8DA3-4CDE-9EEB-117D08E15309}" destId="{0AD1E57B-A87C-4AF8-992E-1C45FDF7D4EF}" srcOrd="0" destOrd="0" presId="urn:microsoft.com/office/officeart/2008/layout/HorizontalMultiLevelHierarchy"/>
     <dgm:cxn modelId="{F64A57D9-54E3-40DA-8421-B82D8E4AC73A}" type="presOf" srcId="{110FB007-EBAD-48E6-84C2-A77ACB66303E}" destId="{ECD19BA9-721C-4C52-A6C9-C86E88CC2D8E}" srcOrd="0" destOrd="0" presId="urn:microsoft.com/office/officeart/2008/layout/HorizontalMultiLevelHierarchy"/>
-    <dgm:cxn modelId="{E09CA1D2-F08A-4666-9AA9-F7786A3E0428}" type="presOf" srcId="{091B7782-2D30-4333-A55E-8CECC74DB492}" destId="{0FF4ABFC-DE49-4887-B4BA-73FF94DF307D}" srcOrd="0" destOrd="0" presId="urn:microsoft.com/office/officeart/2008/layout/HorizontalMultiLevelHierarchy"/>
+    <dgm:cxn modelId="{7B5C013F-9616-44BC-8F25-4B5E2E15F5B7}" type="presOf" srcId="{210B2556-60D2-447E-A060-ED93A911D2D9}" destId="{FD99DFB7-F5FF-404C-912E-ED10E22855FC}" srcOrd="1" destOrd="0" presId="urn:microsoft.com/office/officeart/2008/layout/HorizontalMultiLevelHierarchy"/>
+    <dgm:cxn modelId="{67AFB842-EB56-418B-807E-A548BA21F316}" type="presOf" srcId="{210B2556-60D2-447E-A060-ED93A911D2D9}" destId="{8286D63C-B8CC-4F4F-A514-437F7CA036B6}" srcOrd="0" destOrd="0" presId="urn:microsoft.com/office/officeart/2008/layout/HorizontalMultiLevelHierarchy"/>
+    <dgm:cxn modelId="{1DFE9704-B156-40DD-BE07-344EA7C74C6D}" type="presOf" srcId="{28A92671-B01F-4392-AB5A-55CACA596B69}" destId="{F1486E40-6F7B-4235-B83D-416DDDC99809}" srcOrd="0" destOrd="0" presId="urn:microsoft.com/office/officeart/2008/layout/HorizontalMultiLevelHierarchy"/>
+    <dgm:cxn modelId="{10327F3D-DFA2-4E4A-B410-40456653B3BD}" srcId="{CEA37C44-68F2-4EF6-B711-9EF88CD1AE03}" destId="{57C3DDFB-86F6-424D-B421-DFE0922C0EA2}" srcOrd="0" destOrd="0" parTransId="{716547A2-14A1-413E-944F-7A78A65D372D}" sibTransId="{62335640-E1C5-4333-A2D9-A9DBD53001EA}"/>
     <dgm:cxn modelId="{56F05D9F-0785-4F5C-BE4A-AFBB685FA23B}" type="presOf" srcId="{B2CA9537-42E6-4645-A93E-29F50A55C33A}" destId="{B80F4848-3B46-4950-8317-B4F17F5A16C1}" srcOrd="0" destOrd="0" presId="urn:microsoft.com/office/officeart/2008/layout/HorizontalMultiLevelHierarchy"/>
-    <dgm:cxn modelId="{DD104D7C-DA32-4A22-9B97-3FE450EB956C}" type="presOf" srcId="{57C3DDFB-86F6-424D-B421-DFE0922C0EA2}" destId="{9EB3CBC8-953F-4291-90C9-418AE59282CC}" srcOrd="0" destOrd="0" presId="urn:microsoft.com/office/officeart/2008/layout/HorizontalMultiLevelHierarchy"/>
-    <dgm:cxn modelId="{152BC47D-7DAF-41C7-812A-AF482F4BD93C}" type="presOf" srcId="{110FB007-EBAD-48E6-84C2-A77ACB66303E}" destId="{614DD018-F8A0-4A17-B628-99DCCF1E214B}" srcOrd="1" destOrd="0" presId="urn:microsoft.com/office/officeart/2008/layout/HorizontalMultiLevelHierarchy"/>
-    <dgm:cxn modelId="{1DFE9704-B156-40DD-BE07-344EA7C74C6D}" type="presOf" srcId="{28A92671-B01F-4392-AB5A-55CACA596B69}" destId="{F1486E40-6F7B-4235-B83D-416DDDC99809}" srcOrd="0" destOrd="0" presId="urn:microsoft.com/office/officeart/2008/layout/HorizontalMultiLevelHierarchy"/>
-    <dgm:cxn modelId="{D05B90FD-D503-49AD-8BDD-89857631A34F}" srcId="{24391769-8DA3-4CDE-9EEB-117D08E15309}" destId="{FAD6D03F-3E10-4DD2-8B79-36BFCDE7DC42}" srcOrd="0" destOrd="0" parTransId="{110FB007-EBAD-48E6-84C2-A77ACB66303E}" sibTransId="{D2603103-0468-4A2C-85F7-389A6237D91D}"/>
-    <dgm:cxn modelId="{1157ACD8-2E05-4B7E-B3A0-F1935A75D3A5}" type="presOf" srcId="{24391769-8DA3-4CDE-9EEB-117D08E15309}" destId="{0AD1E57B-A87C-4AF8-992E-1C45FDF7D4EF}" srcOrd="0" destOrd="0" presId="urn:microsoft.com/office/officeart/2008/layout/HorizontalMultiLevelHierarchy"/>
-    <dgm:cxn modelId="{10327F3D-DFA2-4E4A-B410-40456653B3BD}" srcId="{CEA37C44-68F2-4EF6-B711-9EF88CD1AE03}" destId="{57C3DDFB-86F6-424D-B421-DFE0922C0EA2}" srcOrd="0" destOrd="0" parTransId="{716547A2-14A1-413E-944F-7A78A65D372D}" sibTransId="{62335640-E1C5-4333-A2D9-A9DBD53001EA}"/>
-    <dgm:cxn modelId="{CBBDD985-E945-46AF-BB6D-7A668389E1E6}" type="presOf" srcId="{9F16F964-7B62-4D11-8C35-2F21A9BEE134}" destId="{D042E513-2053-4A9F-9F56-BF49F9835DEB}" srcOrd="0" destOrd="0" presId="urn:microsoft.com/office/officeart/2008/layout/HorizontalMultiLevelHierarchy"/>
-    <dgm:cxn modelId="{D18E6B7C-D726-4833-9526-F97EA95D1F02}" type="presOf" srcId="{FC80CF7D-00C1-497C-A55D-AAC8AC64D5B1}" destId="{B08E88D7-1D4E-4780-9EDE-4B4E69D814E3}" srcOrd="1" destOrd="0" presId="urn:microsoft.com/office/officeart/2008/layout/HorizontalMultiLevelHierarchy"/>
-    <dgm:cxn modelId="{D4E0EA40-4FA0-439D-BA69-DA5E95F11095}" srcId="{CEA37C44-68F2-4EF6-B711-9EF88CD1AE03}" destId="{091B7782-2D30-4333-A55E-8CECC74DB492}" srcOrd="1" destOrd="0" parTransId="{1264D4DB-D5D8-449E-9B04-BCCDCA8C1676}" sibTransId="{E86040AA-0E32-4C98-A660-79E228078A2E}"/>
-    <dgm:cxn modelId="{EBE5DB11-FCAA-408B-8D20-2629D17B0D60}" type="presOf" srcId="{FC80CF7D-00C1-497C-A55D-AAC8AC64D5B1}" destId="{1715F0CC-4F98-424C-AC87-E61765EF7246}" srcOrd="0" destOrd="0" presId="urn:microsoft.com/office/officeart/2008/layout/HorizontalMultiLevelHierarchy"/>
-    <dgm:cxn modelId="{D09DAD16-B3D7-400F-AF1F-84D9436413AC}" type="presOf" srcId="{716547A2-14A1-413E-944F-7A78A65D372D}" destId="{48775C69-83D0-4B05-B725-03DBDF9F1F0A}" srcOrd="0" destOrd="0" presId="urn:microsoft.com/office/officeart/2008/layout/HorizontalMultiLevelHierarchy"/>
-    <dgm:cxn modelId="{FAD5B944-D6B8-401C-B777-072D87EB355B}" type="presOf" srcId="{1264D4DB-D5D8-449E-9B04-BCCDCA8C1676}" destId="{534B11A2-D193-4E9F-86CF-2FB4F2FBA248}" srcOrd="1" destOrd="0" presId="urn:microsoft.com/office/officeart/2008/layout/HorizontalMultiLevelHierarchy"/>
-    <dgm:cxn modelId="{8F25429A-B703-4A45-9D59-AEBCED49914B}" type="presOf" srcId="{FAD6D03F-3E10-4DD2-8B79-36BFCDE7DC42}" destId="{40CD02FF-C8CD-4939-93E1-49481CE5BD71}" srcOrd="0" destOrd="0" presId="urn:microsoft.com/office/officeart/2008/layout/HorizontalMultiLevelHierarchy"/>
-    <dgm:cxn modelId="{AF465A11-70D0-40AA-834C-914EF5BEC05A}" srcId="{CEA37C44-68F2-4EF6-B711-9EF88CD1AE03}" destId="{B2CA9537-42E6-4645-A93E-29F50A55C33A}" srcOrd="3" destOrd="0" parTransId="{210B2556-60D2-447E-A060-ED93A911D2D9}" sibTransId="{C8C29206-BC9F-42AE-8191-39494645B8A8}"/>
-    <dgm:cxn modelId="{3D317A63-3A71-4456-89AA-F91779A90E2D}" srcId="{88725D9E-F888-44FB-A4AA-FAEE7F9DE13E}" destId="{24391769-8DA3-4CDE-9EEB-117D08E15309}" srcOrd="0" destOrd="0" parTransId="{01DE0B4E-0F45-4F9D-AC8B-B7CEC6F26593}" sibTransId="{DE33FC3F-B9D5-4F07-BA0D-709A7DD0EAA6}"/>
-    <dgm:cxn modelId="{5C923E1A-2B0A-49E0-8198-E318CB80C025}" srcId="{CEA37C44-68F2-4EF6-B711-9EF88CD1AE03}" destId="{9F16F964-7B62-4D11-8C35-2F21A9BEE134}" srcOrd="2" destOrd="0" parTransId="{28A92671-B01F-4392-AB5A-55CACA596B69}" sibTransId="{E669EFA8-E62B-451A-9F45-8B80CCB23CF0}"/>
-    <dgm:cxn modelId="{67AFB842-EB56-418B-807E-A548BA21F316}" type="presOf" srcId="{210B2556-60D2-447E-A060-ED93A911D2D9}" destId="{8286D63C-B8CC-4F4F-A514-437F7CA036B6}" srcOrd="0" destOrd="0" presId="urn:microsoft.com/office/officeart/2008/layout/HorizontalMultiLevelHierarchy"/>
-    <dgm:cxn modelId="{6293365E-E921-4842-A97C-747247611822}" srcId="{FAD6D03F-3E10-4DD2-8B79-36BFCDE7DC42}" destId="{CEA37C44-68F2-4EF6-B711-9EF88CD1AE03}" srcOrd="0" destOrd="0" parTransId="{FC80CF7D-00C1-497C-A55D-AAC8AC64D5B1}" sibTransId="{7D733F90-D6AE-4B7F-B263-97640C05AC7D}"/>
-    <dgm:cxn modelId="{CFAE0AFD-177F-4504-9C97-AEA454111B9E}" type="presOf" srcId="{1264D4DB-D5D8-449E-9B04-BCCDCA8C1676}" destId="{0998D769-BFB6-4A53-A28A-923651A15182}" srcOrd="0" destOrd="0" presId="urn:microsoft.com/office/officeart/2008/layout/HorizontalMultiLevelHierarchy"/>
-    <dgm:cxn modelId="{BB61AC21-F2DC-435B-BB50-6B8496F25D13}" type="presOf" srcId="{716547A2-14A1-413E-944F-7A78A65D372D}" destId="{34919925-64B6-40F2-B468-A755776BCD55}" srcOrd="1" destOrd="0" presId="urn:microsoft.com/office/officeart/2008/layout/HorizontalMultiLevelHierarchy"/>
-    <dgm:cxn modelId="{7B5C013F-9616-44BC-8F25-4B5E2E15F5B7}" type="presOf" srcId="{210B2556-60D2-447E-A060-ED93A911D2D9}" destId="{FD99DFB7-F5FF-404C-912E-ED10E22855FC}" srcOrd="1" destOrd="0" presId="urn:microsoft.com/office/officeart/2008/layout/HorizontalMultiLevelHierarchy"/>
     <dgm:cxn modelId="{472E3A11-5CCC-4C1D-8651-6AF9A84DBD82}" type="presParOf" srcId="{514F5308-2500-4B5E-847F-867583320C6F}" destId="{68F789D3-6B61-4B70-9F62-A0681A0B6F72}" srcOrd="0" destOrd="0" presId="urn:microsoft.com/office/officeart/2008/layout/HorizontalMultiLevelHierarchy"/>
     <dgm:cxn modelId="{02E2A778-AA4F-44A5-A4C4-3F8C17F9C702}" type="presParOf" srcId="{68F789D3-6B61-4B70-9F62-A0681A0B6F72}" destId="{0AD1E57B-A87C-4AF8-992E-1C45FDF7D4EF}" srcOrd="0" destOrd="0" presId="urn:microsoft.com/office/officeart/2008/layout/HorizontalMultiLevelHierarchy"/>
     <dgm:cxn modelId="{E923223B-9A22-4A4F-AF60-76DF3C79EDD0}" type="presParOf" srcId="{68F789D3-6B61-4B70-9F62-A0681A0B6F72}" destId="{33F540E8-C78F-49A8-B080-A8E08847D4EA}" srcOrd="1" destOrd="0" presId="urn:microsoft.com/office/officeart/2008/layout/HorizontalMultiLevelHierarchy"/>
@@ -10584,10 +10481,24 @@
     <dgm:pt modelId="{9C7523A4-2FA0-401D-834E-4D24A1C4B09B}" type="pres">
       <dgm:prSet presAssocID="{19EB5D66-9E6D-4914-AF51-F31E1F82F48B}" presName="aNode" presStyleLbl="bgShp" presStyleIdx="1" presStyleCnt="6"/>
       <dgm:spPr/>
+      <dgm:t>
+        <a:bodyPr/>
+        <a:lstStyle/>
+        <a:p>
+          <a:endParaRPr lang="fr-FR"/>
+        </a:p>
+      </dgm:t>
     </dgm:pt>
     <dgm:pt modelId="{9EC660E7-9242-413E-85CF-84F655A5AF01}" type="pres">
       <dgm:prSet presAssocID="{19EB5D66-9E6D-4914-AF51-F31E1F82F48B}" presName="textNode" presStyleLbl="bgShp" presStyleIdx="1" presStyleCnt="6"/>
       <dgm:spPr/>
+      <dgm:t>
+        <a:bodyPr/>
+        <a:lstStyle/>
+        <a:p>
+          <a:endParaRPr lang="fr-FR"/>
+        </a:p>
+      </dgm:t>
     </dgm:pt>
     <dgm:pt modelId="{DE0FC554-DBF5-4027-8923-FD83E4E7CAFF}" type="pres">
       <dgm:prSet presAssocID="{19EB5D66-9E6D-4914-AF51-F31E1F82F48B}" presName="compChildNode" presStyleCnt="0"/>
@@ -10604,6 +10515,13 @@
         </dgm:presLayoutVars>
       </dgm:prSet>
       <dgm:spPr/>
+      <dgm:t>
+        <a:bodyPr/>
+        <a:lstStyle/>
+        <a:p>
+          <a:endParaRPr lang="fr-FR"/>
+        </a:p>
+      </dgm:t>
     </dgm:pt>
     <dgm:pt modelId="{17CE2A11-5B49-46E2-90E0-CF7656D677EB}" type="pres">
       <dgm:prSet presAssocID="{E734C308-CE19-4DF8-856D-CC66C374F671}" presName="aSpace2" presStyleCnt="0"/>
@@ -10616,6 +10534,13 @@
         </dgm:presLayoutVars>
       </dgm:prSet>
       <dgm:spPr/>
+      <dgm:t>
+        <a:bodyPr/>
+        <a:lstStyle/>
+        <a:p>
+          <a:endParaRPr lang="fr-FR"/>
+        </a:p>
+      </dgm:t>
     </dgm:pt>
     <dgm:pt modelId="{C925F415-450C-4F57-BC10-796E5502952D}" type="pres">
       <dgm:prSet presAssocID="{460BA57A-695C-411C-B345-EC884F08F177}" presName="aSpace2" presStyleCnt="0"/>
@@ -10958,6 +10883,13 @@
         </dgm:presLayoutVars>
       </dgm:prSet>
       <dgm:spPr/>
+      <dgm:t>
+        <a:bodyPr/>
+        <a:lstStyle/>
+        <a:p>
+          <a:endParaRPr lang="fr-FR"/>
+        </a:p>
+      </dgm:t>
     </dgm:pt>
     <dgm:pt modelId="{6EFFCE2D-E754-4981-BB4F-F9992A686DE7}" type="pres">
       <dgm:prSet presAssocID="{6CE4BCB9-161F-4C03-872F-F8FC433AD4E8}" presName="aSpace" presStyleCnt="0"/>
@@ -11061,6 +10993,13 @@
         </dgm:presLayoutVars>
       </dgm:prSet>
       <dgm:spPr/>
+      <dgm:t>
+        <a:bodyPr/>
+        <a:lstStyle/>
+        <a:p>
+          <a:endParaRPr lang="fr-FR"/>
+        </a:p>
+      </dgm:t>
     </dgm:pt>
     <dgm:pt modelId="{EA3FA0E7-445A-42D7-B052-CBC179BEF00A}" type="pres">
       <dgm:prSet presAssocID="{B06F0526-3397-4EE3-B3D0-1721AE57ECCC}" presName="aSpace2" presStyleCnt="0"/>
@@ -11150,8 +11089,8 @@
     <dgm:cxn modelId="{858847DA-63B1-408C-ACD3-6A77A1C66E04}" type="presOf" srcId="{C19B4389-0A3D-4FBE-BAB5-C9A1080EEB09}" destId="{17354A83-7226-45F1-B5CF-4BDE45653CFE}" srcOrd="0" destOrd="0" presId="urn:microsoft.com/office/officeart/2005/8/layout/lProcess2"/>
     <dgm:cxn modelId="{E201A603-7C30-4057-AEB5-92F6CEF35B28}" type="presOf" srcId="{19EB5D66-9E6D-4914-AF51-F31E1F82F48B}" destId="{9EC660E7-9242-413E-85CF-84F655A5AF01}" srcOrd="1" destOrd="0" presId="urn:microsoft.com/office/officeart/2005/8/layout/lProcess2"/>
     <dgm:cxn modelId="{E8679651-1E82-4DA4-BD36-B5E5049F7DB0}" type="presOf" srcId="{31953AE7-716A-470B-8AE5-37EA7ACEA1C0}" destId="{C239260B-BA91-4DFF-A14B-1F55E37444FA}" srcOrd="0" destOrd="0" presId="urn:microsoft.com/office/officeart/2005/8/layout/lProcess2"/>
+    <dgm:cxn modelId="{38178E0D-8885-49D9-B710-F97C08709585}" srcId="{19EB5D66-9E6D-4914-AF51-F31E1F82F48B}" destId="{460BA57A-695C-411C-B345-EC884F08F177}" srcOrd="1" destOrd="0" parTransId="{BB44245D-FA12-4872-806A-E0E80F0780C3}" sibTransId="{A02C23DC-2031-408E-B00B-8E7519A76FA7}"/>
     <dgm:cxn modelId="{5A188D1F-EA26-4817-840D-2F7D4ED00F3B}" type="presOf" srcId="{0182A1B4-B3BE-4D42-A490-905DED811284}" destId="{CF0D6F91-BCBB-447C-8243-43BEC0328396}" srcOrd="0" destOrd="0" presId="urn:microsoft.com/office/officeart/2005/8/layout/lProcess2"/>
-    <dgm:cxn modelId="{38178E0D-8885-49D9-B710-F97C08709585}" srcId="{19EB5D66-9E6D-4914-AF51-F31E1F82F48B}" destId="{460BA57A-695C-411C-B345-EC884F08F177}" srcOrd="1" destOrd="0" parTransId="{BB44245D-FA12-4872-806A-E0E80F0780C3}" sibTransId="{A02C23DC-2031-408E-B00B-8E7519A76FA7}"/>
     <dgm:cxn modelId="{B2719174-4681-4682-8C71-41707766AC4E}" srcId="{C6A36EA8-C3C3-4339-936E-9072AECC443D}" destId="{8A7717E2-897F-4B25-B958-22F8940AD5D1}" srcOrd="0" destOrd="0" parTransId="{3F88D1AB-02E0-4A0F-871F-3E849C2AC850}" sibTransId="{A0388439-1E45-425F-AA18-6654575C95E3}"/>
     <dgm:cxn modelId="{EF859A38-2A43-4B22-9732-85B75E6AEE39}" type="presOf" srcId="{1A4E2D05-D8AA-42D6-B4BE-757728161286}" destId="{538862C6-8C10-4A70-A280-58459DF3ABDD}" srcOrd="0" destOrd="0" presId="urn:microsoft.com/office/officeart/2005/8/layout/lProcess2"/>
     <dgm:cxn modelId="{EBE91530-C207-4FC9-AFE0-A31301A532C7}" type="presOf" srcId="{C6A36EA8-C3C3-4339-936E-9072AECC443D}" destId="{25343C86-8C7F-4D10-A861-BD9F85B7D443}" srcOrd="1" destOrd="0" presId="urn:microsoft.com/office/officeart/2005/8/layout/lProcess2"/>
@@ -11908,10 +11847,24 @@
     <dgm:pt modelId="{298538B6-FDE7-40CB-B5E9-71EDC5253944}" type="pres">
       <dgm:prSet presAssocID="{9D958838-309B-4BB4-AA3D-498DFF9E5E2D}" presName="aNode" presStyleLbl="bgShp" presStyleIdx="0" presStyleCnt="4"/>
       <dgm:spPr/>
+      <dgm:t>
+        <a:bodyPr/>
+        <a:lstStyle/>
+        <a:p>
+          <a:endParaRPr lang="fr-FR"/>
+        </a:p>
+      </dgm:t>
     </dgm:pt>
     <dgm:pt modelId="{7B3CFB01-5E66-424E-B396-0CE16AE18174}" type="pres">
       <dgm:prSet presAssocID="{9D958838-309B-4BB4-AA3D-498DFF9E5E2D}" presName="textNode" presStyleLbl="bgShp" presStyleIdx="0" presStyleCnt="4"/>
       <dgm:spPr/>
+      <dgm:t>
+        <a:bodyPr/>
+        <a:lstStyle/>
+        <a:p>
+          <a:endParaRPr lang="fr-FR"/>
+        </a:p>
+      </dgm:t>
     </dgm:pt>
     <dgm:pt modelId="{53FB75A5-4029-4BAB-ACAE-00C7E206D6A3}" type="pres">
       <dgm:prSet presAssocID="{9D958838-309B-4BB4-AA3D-498DFF9E5E2D}" presName="compChildNode" presStyleCnt="0"/>
@@ -13438,6 +13391,13 @@
         </dgm:presLayoutVars>
       </dgm:prSet>
       <dgm:spPr/>
+      <dgm:t>
+        <a:bodyPr/>
+        <a:lstStyle/>
+        <a:p>
+          <a:endParaRPr lang="fr-FR"/>
+        </a:p>
+      </dgm:t>
     </dgm:pt>
     <dgm:pt modelId="{8A5D285C-A6C1-47D6-B02E-8095F62199CB}" type="pres">
       <dgm:prSet presAssocID="{87E3BA48-F29D-424F-8BF0-5ACD0D870EA8}" presName="aSpace2" presStyleCnt="0"/>
@@ -13450,6 +13410,13 @@
         </dgm:presLayoutVars>
       </dgm:prSet>
       <dgm:spPr/>
+      <dgm:t>
+        <a:bodyPr/>
+        <a:lstStyle/>
+        <a:p>
+          <a:endParaRPr lang="fr-FR"/>
+        </a:p>
+      </dgm:t>
     </dgm:pt>
     <dgm:pt modelId="{FBE20F3C-9C04-4FF3-A2BB-2EC2330732EE}" type="pres">
       <dgm:prSet presAssocID="{85097210-6493-45E4-9B25-DAA56A52C2BC}" presName="aSpace2" presStyleCnt="0"/>
@@ -13848,8 +13815,8 @@
     <dgm:cxn modelId="{7B628CAD-9F92-4BA4-9FA7-B9CE07BA91F1}" type="presOf" srcId="{344D24B2-CCAB-482A-AA0F-E04456C2A888}" destId="{23F05124-4E84-43EF-8EC0-8E75924A513E}" srcOrd="0" destOrd="0" presId="urn:microsoft.com/office/officeart/2005/8/layout/lProcess2"/>
     <dgm:cxn modelId="{97D26D2C-8AAC-47E4-97A7-3253463D6C52}" type="presOf" srcId="{B5C4A9A7-EAD3-4FD1-A7F9-7E5A4EE65637}" destId="{D98D92AC-9B30-4CD4-80B2-6270EEA8586A}" srcOrd="0" destOrd="0" presId="urn:microsoft.com/office/officeart/2005/8/layout/lProcess2"/>
     <dgm:cxn modelId="{3F3E3686-2779-437E-A108-9B6960857272}" srcId="{B5C4A9A7-EAD3-4FD1-A7F9-7E5A4EE65637}" destId="{82A0E49A-0522-414D-AC6E-A7153DD8ECED}" srcOrd="0" destOrd="0" parTransId="{015ED2B7-B4F0-40D6-89C7-2B07252DFF68}" sibTransId="{3D53A276-9BB9-46CB-A535-6047B6165CC3}"/>
+    <dgm:cxn modelId="{79FB8A32-4C44-41C3-A2B0-5EFC63450BFA}" type="presOf" srcId="{344D24B2-CCAB-482A-AA0F-E04456C2A888}" destId="{B4FFFF5F-76FB-4FA3-888F-1C715C528F69}" srcOrd="1" destOrd="0" presId="urn:microsoft.com/office/officeart/2005/8/layout/lProcess2"/>
     <dgm:cxn modelId="{43C59258-D4A0-4828-958A-B268D9143E4F}" type="presOf" srcId="{C6A36EA8-C3C3-4339-936E-9072AECC443D}" destId="{0BA00038-48E3-4CBE-8581-526D7E04E7A0}" srcOrd="0" destOrd="0" presId="urn:microsoft.com/office/officeart/2005/8/layout/lProcess2"/>
-    <dgm:cxn modelId="{79FB8A32-4C44-41C3-A2B0-5EFC63450BFA}" type="presOf" srcId="{344D24B2-CCAB-482A-AA0F-E04456C2A888}" destId="{B4FFFF5F-76FB-4FA3-888F-1C715C528F69}" srcOrd="1" destOrd="0" presId="urn:microsoft.com/office/officeart/2005/8/layout/lProcess2"/>
     <dgm:cxn modelId="{BA52F3B0-5945-4C02-A604-9FFF5FBF8FE3}" srcId="{049D429E-DDA8-46EC-8602-2719E76CCD39}" destId="{D6DB07C5-688A-4FF2-B9B4-6831D9F63653}" srcOrd="0" destOrd="0" parTransId="{E0C35595-856E-46BA-AC65-DBF1C7747F7D}" sibTransId="{80785E31-7864-4689-B79D-734E019E3141}"/>
     <dgm:cxn modelId="{B0931F67-E29F-4681-BA55-7108701A9596}" type="presOf" srcId="{2FC29AE2-50EC-4932-BC99-9C6B4EEF5E7D}" destId="{BBB28096-69D9-4652-B672-B4927C76EAB9}" srcOrd="0" destOrd="0" presId="urn:microsoft.com/office/officeart/2005/8/layout/lProcess2"/>
     <dgm:cxn modelId="{ED57CE93-34B7-439E-AB95-ACEF47F6F114}" srcId="{C6A36EA8-C3C3-4339-936E-9072AECC443D}" destId="{B1439A69-9387-466F-9D56-AC87563490D6}" srcOrd="2" destOrd="0" parTransId="{C2D20654-B1F0-40FA-9F65-D4B3EEB8B276}" sibTransId="{38DACFB9-D998-4C48-B13C-40D84B673FB6}"/>
@@ -14136,7 +14103,7 @@
       </dsp:nvSpPr>
       <dsp:spPr>
         <a:xfrm>
-          <a:off x="4859696" y="812452"/>
+          <a:off x="5077272" y="1624458"/>
           <a:ext cx="1246882" cy="1246882"/>
         </a:xfrm>
         <a:prstGeom prst="ellipse">
@@ -14221,7 +14188,7 @@
         </a:p>
       </dsp:txBody>
       <dsp:txXfrm>
-        <a:off x="5042298" y="995054"/>
+        <a:off x="5259874" y="1807060"/>
         <a:ext cx="881678" cy="881678"/>
       </dsp:txXfrm>
     </dsp:sp>
@@ -14232,7 +14199,7 @@
       </dsp:nvSpPr>
       <dsp:spPr>
         <a:xfrm>
-          <a:off x="4859696" y="2436465"/>
+          <a:off x="3453258" y="3248472"/>
           <a:ext cx="1246882" cy="1246882"/>
         </a:xfrm>
         <a:prstGeom prst="ellipse">
@@ -14317,7 +14284,7 @@
         </a:p>
       </dsp:txBody>
       <dsp:txXfrm>
-        <a:off x="5042298" y="2619067"/>
+        <a:off x="3635860" y="3431074"/>
         <a:ext cx="881678" cy="881678"/>
       </dsp:txXfrm>
     </dsp:sp>
@@ -14328,7 +14295,7 @@
       </dsp:nvSpPr>
       <dsp:spPr>
         <a:xfrm>
-          <a:off x="3453258" y="3248472"/>
+          <a:off x="1829245" y="1624458"/>
           <a:ext cx="1246882" cy="1246882"/>
         </a:xfrm>
         <a:prstGeom prst="ellipse">
@@ -14413,199 +14380,7 @@
         </a:p>
       </dsp:txBody>
       <dsp:txXfrm>
-        <a:off x="3635860" y="3431074"/>
-        <a:ext cx="881678" cy="881678"/>
-      </dsp:txXfrm>
-    </dsp:sp>
-    <dsp:sp modelId="{633C601A-275C-4BD3-A871-987CCF774291}">
-      <dsp:nvSpPr>
-        <dsp:cNvPr id="0" name=""/>
-        <dsp:cNvSpPr/>
-      </dsp:nvSpPr>
-      <dsp:spPr>
-        <a:xfrm>
-          <a:off x="2046821" y="2436465"/>
-          <a:ext cx="1246882" cy="1246882"/>
-        </a:xfrm>
-        <a:prstGeom prst="ellipse">
-          <a:avLst/>
-        </a:prstGeom>
-        <a:solidFill>
-          <a:schemeClr val="accent2">
-            <a:alpha val="50000"/>
-            <a:hueOff val="0"/>
-            <a:satOff val="0"/>
-            <a:lumOff val="0"/>
-            <a:alphaOff val="0"/>
-          </a:schemeClr>
-        </a:solidFill>
-        <a:ln>
-          <a:noFill/>
-        </a:ln>
-        <a:effectLst>
-          <a:outerShdw blurRad="38100" dist="25400" dir="5400000" rotWithShape="0">
-            <a:srgbClr val="000000">
-              <a:alpha val="35000"/>
-            </a:srgbClr>
-          </a:outerShdw>
-        </a:effectLst>
-        <a:scene3d>
-          <a:camera prst="isometricTopDown" fov="0">
-            <a:rot lat="0" lon="0" rev="0"/>
-          </a:camera>
-          <a:lightRig rig="balanced" dir="t">
-            <a:rot lat="0" lon="0" rev="13800000"/>
-          </a:lightRig>
-        </a:scene3d>
-        <a:sp3d extrusionH="12700" prstMaterial="plastic">
-          <a:bevelT w="38100" h="25400" prst="softRound"/>
-          <a:contourClr>
-            <a:schemeClr val="accent2">
-              <a:alpha val="50000"/>
-              <a:hueOff val="0"/>
-              <a:satOff val="0"/>
-              <a:lumOff val="0"/>
-              <a:alphaOff val="0"/>
-            </a:schemeClr>
-          </a:contourClr>
-        </a:sp3d>
-      </dsp:spPr>
-      <dsp:style>
-        <a:lnRef idx="0">
-          <a:scrgbClr r="0" g="0" b="0"/>
-        </a:lnRef>
-        <a:fillRef idx="3">
-          <a:scrgbClr r="0" g="0" b="0"/>
-        </a:fillRef>
-        <a:effectRef idx="3">
-          <a:scrgbClr r="0" g="0" b="0"/>
-        </a:effectRef>
-        <a:fontRef idx="minor">
-          <a:schemeClr val="tx1"/>
-        </a:fontRef>
-      </dsp:style>
-      <dsp:txBody>
-        <a:bodyPr spcFirstLastPara="0" vert="horz" wrap="square" lIns="19050" tIns="19050" rIns="19050" bIns="19050" numCol="1" spcCol="1270" anchor="ctr" anchorCtr="0">
-          <a:noAutofit/>
-        </a:bodyPr>
-        <a:lstStyle/>
-        <a:p>
-          <a:pPr lvl="0" algn="ctr" defTabSz="666750">
-            <a:lnSpc>
-              <a:spcPct val="90000"/>
-            </a:lnSpc>
-            <a:spcBef>
-              <a:spcPct val="0"/>
-            </a:spcBef>
-            <a:spcAft>
-              <a:spcPct val="35000"/>
-            </a:spcAft>
-          </a:pPr>
-          <a:r>
-            <a:rPr lang="fr-FR" sz="1500" kern="1200" dirty="0" smtClean="0"/>
-            <a:t>Input</a:t>
-          </a:r>
-          <a:endParaRPr lang="fr-FR" sz="1500" kern="1200" dirty="0"/>
-        </a:p>
-      </dsp:txBody>
-      <dsp:txXfrm>
-        <a:off x="2229423" y="2619067"/>
-        <a:ext cx="881678" cy="881678"/>
-      </dsp:txXfrm>
-    </dsp:sp>
-    <dsp:sp modelId="{9E127826-0586-499C-8840-900B10F2B44D}">
-      <dsp:nvSpPr>
-        <dsp:cNvPr id="0" name=""/>
-        <dsp:cNvSpPr/>
-      </dsp:nvSpPr>
-      <dsp:spPr>
-        <a:xfrm>
-          <a:off x="2046821" y="812452"/>
-          <a:ext cx="1246882" cy="1246882"/>
-        </a:xfrm>
-        <a:prstGeom prst="ellipse">
-          <a:avLst/>
-        </a:prstGeom>
-        <a:solidFill>
-          <a:schemeClr val="accent3">
-            <a:alpha val="50000"/>
-            <a:hueOff val="0"/>
-            <a:satOff val="0"/>
-            <a:lumOff val="0"/>
-            <a:alphaOff val="0"/>
-          </a:schemeClr>
-        </a:solidFill>
-        <a:ln>
-          <a:noFill/>
-        </a:ln>
-        <a:effectLst>
-          <a:outerShdw blurRad="38100" dist="25400" dir="5400000" rotWithShape="0">
-            <a:srgbClr val="000000">
-              <a:alpha val="35000"/>
-            </a:srgbClr>
-          </a:outerShdw>
-        </a:effectLst>
-        <a:scene3d>
-          <a:camera prst="isometricTopDown" fov="0">
-            <a:rot lat="0" lon="0" rev="0"/>
-          </a:camera>
-          <a:lightRig rig="balanced" dir="t">
-            <a:rot lat="0" lon="0" rev="13800000"/>
-          </a:lightRig>
-        </a:scene3d>
-        <a:sp3d extrusionH="12700" prstMaterial="plastic">
-          <a:bevelT w="38100" h="25400" prst="softRound"/>
-          <a:contourClr>
-            <a:schemeClr val="accent3">
-              <a:alpha val="50000"/>
-              <a:hueOff val="0"/>
-              <a:satOff val="0"/>
-              <a:lumOff val="0"/>
-              <a:alphaOff val="0"/>
-            </a:schemeClr>
-          </a:contourClr>
-        </a:sp3d>
-      </dsp:spPr>
-      <dsp:style>
-        <a:lnRef idx="0">
-          <a:scrgbClr r="0" g="0" b="0"/>
-        </a:lnRef>
-        <a:fillRef idx="3">
-          <a:scrgbClr r="0" g="0" b="0"/>
-        </a:fillRef>
-        <a:effectRef idx="3">
-          <a:scrgbClr r="0" g="0" b="0"/>
-        </a:effectRef>
-        <a:fontRef idx="minor">
-          <a:schemeClr val="tx1"/>
-        </a:fontRef>
-      </dsp:style>
-      <dsp:txBody>
-        <a:bodyPr spcFirstLastPara="0" vert="horz" wrap="square" lIns="19050" tIns="19050" rIns="19050" bIns="19050" numCol="1" spcCol="1270" anchor="ctr" anchorCtr="0">
-          <a:noAutofit/>
-        </a:bodyPr>
-        <a:lstStyle/>
-        <a:p>
-          <a:pPr lvl="0" algn="ctr" defTabSz="666750">
-            <a:lnSpc>
-              <a:spcPct val="90000"/>
-            </a:lnSpc>
-            <a:spcBef>
-              <a:spcPct val="0"/>
-            </a:spcBef>
-            <a:spcAft>
-              <a:spcPct val="35000"/>
-            </a:spcAft>
-          </a:pPr>
-          <a:r>
-            <a:rPr lang="fr-FR" sz="1500" kern="1200" dirty="0" smtClean="0"/>
-            <a:t>Utility</a:t>
-          </a:r>
-          <a:endParaRPr lang="fr-FR" sz="1500" kern="1200" dirty="0"/>
-        </a:p>
-      </dsp:txBody>
-      <dsp:txXfrm>
-        <a:off x="2229423" y="995054"/>
+        <a:off x="2011847" y="1807060"/>
         <a:ext cx="881678" cy="881678"/>
       </dsp:txXfrm>
     </dsp:sp>
@@ -16414,7 +16189,7 @@
       </dsp:nvSpPr>
       <dsp:spPr>
         <a:xfrm>
-          <a:off x="2952749" y="0"/>
+          <a:off x="2952750" y="0"/>
           <a:ext cx="2247900" cy="2247900"/>
         </a:xfrm>
         <a:prstGeom prst="triangle">
@@ -16573,7 +16348,7 @@
         </a:p>
       </dsp:txBody>
       <dsp:txXfrm>
-        <a:off x="3514724" y="1123950"/>
+        <a:off x="3514725" y="1123950"/>
         <a:ext cx="1123950" cy="1123950"/>
       </dsp:txXfrm>
     </dsp:sp>
@@ -16754,7 +16529,7 @@
       </dsp:nvSpPr>
       <dsp:spPr>
         <a:xfrm rot="10800000">
-          <a:off x="2952749" y="2247900"/>
+          <a:off x="2952750" y="2247900"/>
           <a:ext cx="2247900" cy="2247900"/>
         </a:xfrm>
         <a:prstGeom prst="triangle">
@@ -16913,7 +16688,7 @@
         </a:p>
       </dsp:txBody>
       <dsp:txXfrm rot="10800000">
-        <a:off x="3514724" y="2247900"/>
+        <a:off x="3514725" y="2247900"/>
         <a:ext cx="1123950" cy="1123950"/>
       </dsp:txXfrm>
     </dsp:sp>
@@ -33319,7 +33094,7 @@
           <a:p>
             <a:fld id="{7011E69A-6C3D-49BF-BD64-39027DFF6D9F}" type="datetimeFigureOut">
               <a:rPr lang="fr-FR" smtClean="0"/>
-              <a:t>03/10/2013</a:t>
+              <a:t>05/10/2013</a:t>
             </a:fld>
             <a:endParaRPr lang="fr-FR"/>
           </a:p>
@@ -33484,7 +33259,7 @@
           <a:p>
             <a:fld id="{450F901E-04C0-46F2-9379-59BF332F2F2D}" type="datetimeFigureOut">
               <a:rPr lang="fr-FR" smtClean="0"/>
-              <a:t>03/10/2013</a:t>
+              <a:t>05/10/2013</a:t>
             </a:fld>
             <a:endParaRPr lang="fr-FR" dirty="0"/>
           </a:p>
@@ -34211,7 +33986,7 @@
           <a:p>
             <a:fld id="{12F20915-7C67-4634-A5D8-123A69D3450C}" type="datetime1">
               <a:rPr lang="fr-FR" smtClean="0"/>
-              <a:t>03/10/2013</a:t>
+              <a:t>05/10/2013</a:t>
             </a:fld>
             <a:endParaRPr lang="en-US" dirty="0"/>
           </a:p>
@@ -34413,7 +34188,7 @@
           <a:p>
             <a:fld id="{2384A8FC-7B55-40A5-B33A-A5A21761988E}" type="datetime1">
               <a:rPr lang="fr-FR" smtClean="0"/>
-              <a:t>03/10/2013</a:t>
+              <a:t>05/10/2013</a:t>
             </a:fld>
             <a:endParaRPr lang="en-US"/>
           </a:p>
@@ -34602,7 +34377,7 @@
           <a:p>
             <a:fld id="{06836D45-C7BB-455F-9C10-B2EC6D70AD43}" type="datetime1">
               <a:rPr lang="fr-FR" smtClean="0"/>
-              <a:t>03/10/2013</a:t>
+              <a:t>05/10/2013</a:t>
             </a:fld>
             <a:endParaRPr lang="en-US"/>
           </a:p>
@@ -34882,7 +34657,7 @@
           <a:p>
             <a:fld id="{94ECD26F-6B54-488F-A41A-8F8D17B8D1E7}" type="datetime1">
               <a:rPr lang="fr-FR" smtClean="0"/>
-              <a:t>03/10/2013</a:t>
+              <a:t>05/10/2013</a:t>
             </a:fld>
             <a:endParaRPr lang="en-US"/>
           </a:p>
@@ -35325,7 +35100,7 @@
           <a:p>
             <a:fld id="{902E46E6-5785-4C01-A4FA-D9138E8D39F1}" type="datetime1">
               <a:rPr lang="fr-FR" smtClean="0"/>
-              <a:t>03/10/2013</a:t>
+              <a:t>05/10/2013</a:t>
             </a:fld>
             <a:endParaRPr lang="en-US"/>
           </a:p>
@@ -35578,7 +35353,7 @@
           <a:p>
             <a:fld id="{E37538CF-0A64-40DC-ACAE-A1A01767E9BB}" type="datetime1">
               <a:rPr lang="fr-FR" smtClean="0"/>
-              <a:t>03/10/2013</a:t>
+              <a:t>05/10/2013</a:t>
             </a:fld>
             <a:endParaRPr lang="en-US"/>
           </a:p>
@@ -35825,7 +35600,7 @@
           <a:p>
             <a:fld id="{E24D2700-FAB9-4EC5-833A-BAABD9C3976F}" type="datetime1">
               <a:rPr lang="fr-FR" smtClean="0"/>
-              <a:t>03/10/2013</a:t>
+              <a:t>05/10/2013</a:t>
             </a:fld>
             <a:endParaRPr lang="en-US"/>
           </a:p>
@@ -36024,7 +35799,7 @@
           <a:p>
             <a:fld id="{DECD032C-F0B6-43CF-9069-0621198CB85E}" type="datetime1">
               <a:rPr lang="fr-FR" smtClean="0"/>
-              <a:t>03/10/2013</a:t>
+              <a:t>05/10/2013</a:t>
             </a:fld>
             <a:endParaRPr lang="en-US"/>
           </a:p>
@@ -36126,7 +35901,7 @@
           <a:p>
             <a:fld id="{B2E7E3DA-57C2-4A4D-B010-BCB245593FE5}" type="datetime1">
               <a:rPr lang="fr-FR" smtClean="0"/>
-              <a:t>03/10/2013</a:t>
+              <a:t>05/10/2013</a:t>
             </a:fld>
             <a:endParaRPr lang="en-US"/>
           </a:p>
@@ -36266,7 +36041,7 @@
           <a:p>
             <a:fld id="{CBB9F109-E754-4CCC-A7B1-F4F6237E38C1}" type="datetime1">
               <a:rPr lang="fr-FR" smtClean="0"/>
-              <a:t>03/10/2013</a:t>
+              <a:t>05/10/2013</a:t>
             </a:fld>
             <a:endParaRPr lang="en-US"/>
           </a:p>
@@ -36788,7 +36563,7 @@
           <a:p>
             <a:fld id="{60D7E2F9-E6A8-4DA9-9914-BA60BD91563C}" type="datetime1">
               <a:rPr lang="fr-FR" smtClean="0"/>
-              <a:t>03/10/2013</a:t>
+              <a:t>05/10/2013</a:t>
             </a:fld>
             <a:endParaRPr lang="en-US"/>
           </a:p>
@@ -37053,7 +36828,7 @@
           <a:p>
             <a:fld id="{1F2438D6-D77E-4059-83C5-4B30AFB8DDBF}" type="datetime1">
               <a:rPr lang="fr-FR" smtClean="0"/>
-              <a:t>03/10/2013</a:t>
+              <a:t>05/10/2013</a:t>
             </a:fld>
             <a:endParaRPr lang="en-US"/>
           </a:p>
@@ -37684,7 +37459,7 @@
             <a:fld id="{F0116066-8E82-4E82-B0B5-60D788EDB8F1}" type="datetime1">
               <a:rPr lang="fr-FR" smtClean="0"/>
               <a:pPr/>
-              <a:t>03/10/2013</a:t>
+              <a:t>05/10/2013</a:t>
             </a:fld>
             <a:endParaRPr lang="en-US" dirty="0"/>
           </a:p>
@@ -38162,7 +37937,7 @@
       </p:sp>
       <p:pic>
         <p:nvPicPr>
-          <p:cNvPr id="6" name="Espace réservé du contenu 5"/>
+          <p:cNvPr id="7" name="Espace réservé du contenu 6"/>
           <p:cNvPicPr>
             <a:picLocks noGrp="1" noChangeAspect="1"/>
           </p:cNvPicPr>
@@ -38184,8 +37959,8 @@
         </p:blipFill>
         <p:spPr>
           <a:xfrm>
-            <a:off x="612775" y="1671676"/>
-            <a:ext cx="8153400" cy="4352848"/>
+            <a:off x="2051720" y="1556792"/>
+            <a:ext cx="5131218" cy="4726503"/>
           </a:xfrm>
         </p:spPr>
       </p:pic>
@@ -38329,7 +38104,7 @@
             <a:pPr lvl="2"/>
             <a:r>
               <a:rPr lang="fr-FR" dirty="0" err="1" smtClean="0"/>
-              <a:t>Engine</a:t>
+              <a:t>Anim</a:t>
             </a:r>
             <a:endParaRPr lang="fr-FR" dirty="0" smtClean="0"/>
           </a:p>
@@ -38565,7 +38340,7 @@
                 <a:latin typeface="Courier New" pitchFamily="49" charset="0"/>
                 <a:cs typeface="Courier New" pitchFamily="49" charset="0"/>
               </a:rPr>
-              <a:t>lionengine-core</a:t>
+              <a:t>lionengine</a:t>
             </a:r>
             <a:r>
               <a:rPr lang="fr-FR" sz="2000" dirty="0" smtClean="0">
@@ -39608,19 +39383,8 @@
                 <a:latin typeface="Courier New" pitchFamily="49" charset="0"/>
                 <a:cs typeface="Courier New" pitchFamily="49" charset="0"/>
               </a:rPr>
-              <a:t>(représente </a:t>
-            </a:r>
-            <a:r>
-              <a:rPr lang="fr-FR" sz="1900" dirty="0" smtClean="0">
-                <a:latin typeface="Courier New" pitchFamily="49" charset="0"/>
-                <a:cs typeface="Courier New" pitchFamily="49" charset="0"/>
-              </a:rPr>
-              <a:t>un objet de base)</a:t>
-            </a:r>
-            <a:endParaRPr lang="fr-FR" sz="1900" dirty="0" smtClean="0">
-              <a:latin typeface="Courier New" pitchFamily="49" charset="0"/>
-              <a:cs typeface="Courier New" pitchFamily="49" charset="0"/>
-            </a:endParaRPr>
+              <a:t>(représente un objet de base)</a:t>
+            </a:r>
           </a:p>
           <a:p>
             <a:pPr lvl="1"/>
@@ -39687,19 +39451,8 @@
                 <a:latin typeface="Courier New" panose="02070309020205020404" pitchFamily="49" charset="0"/>
                 <a:cs typeface="Courier New" panose="02070309020205020404" pitchFamily="49" charset="0"/>
               </a:rPr>
-              <a:t>(chargé de créer les </a:t>
-            </a:r>
-            <a:r>
-              <a:rPr lang="fr-FR" sz="1900" dirty="0" smtClean="0">
-                <a:latin typeface="Courier New" panose="02070309020205020404" pitchFamily="49" charset="0"/>
-                <a:cs typeface="Courier New" panose="02070309020205020404" pitchFamily="49" charset="0"/>
-              </a:rPr>
-              <a:t>objets)</a:t>
-            </a:r>
-            <a:endParaRPr lang="fr-FR" sz="1900" dirty="0" smtClean="0">
-              <a:latin typeface="Courier New" panose="02070309020205020404" pitchFamily="49" charset="0"/>
-              <a:cs typeface="Courier New" panose="02070309020205020404" pitchFamily="49" charset="0"/>
-            </a:endParaRPr>
+              <a:t>(chargé de créer les objets)</a:t>
+            </a:r>
           </a:p>
           <a:p>
             <a:pPr lvl="1"/>
@@ -39716,19 +39469,8 @@
                 <a:latin typeface="Courier New" pitchFamily="49" charset="0"/>
                 <a:cs typeface="Courier New" pitchFamily="49" charset="0"/>
               </a:rPr>
-              <a:t>(gère une collection </a:t>
-            </a:r>
-            <a:r>
-              <a:rPr lang="fr-FR" sz="1900" dirty="0" smtClean="0">
-                <a:latin typeface="Courier New" pitchFamily="49" charset="0"/>
-                <a:cs typeface="Courier New" pitchFamily="49" charset="0"/>
-              </a:rPr>
-              <a:t>d’objet)</a:t>
-            </a:r>
-            <a:endParaRPr lang="fr-FR" sz="1900" dirty="0" smtClean="0">
-              <a:latin typeface="Courier New" pitchFamily="49" charset="0"/>
-              <a:cs typeface="Courier New" pitchFamily="49" charset="0"/>
-            </a:endParaRPr>
+              <a:t>(gère une collection d’objet)</a:t>
+            </a:r>
           </a:p>
           <a:p>
             <a:pPr lvl="1"/>
@@ -39929,11 +39671,7 @@
           <a:p>
             <a:r>
               <a:rPr lang="fr-FR" dirty="0" smtClean="0"/>
-              <a:t>Module </a:t>
-            </a:r>
-            <a:r>
-              <a:rPr lang="fr-FR" dirty="0" smtClean="0"/>
-              <a:t>Game</a:t>
+              <a:t>Module Game</a:t>
             </a:r>
             <a:br>
               <a:rPr lang="fr-FR" dirty="0" smtClean="0"/>
@@ -39943,11 +39681,7 @@
           <a:p>
             <a:r>
               <a:rPr lang="fr-FR" dirty="0" smtClean="0"/>
-              <a:t>Module </a:t>
-            </a:r>
-            <a:r>
-              <a:rPr lang="fr-FR" dirty="0" smtClean="0"/>
-              <a:t>Platform</a:t>
+              <a:t>Module Platform</a:t>
             </a:r>
             <a:br>
               <a:rPr lang="fr-FR" dirty="0" smtClean="0"/>
@@ -40602,7 +40336,35 @@
                 <a:latin typeface="Courier New" pitchFamily="49" charset="0"/>
                 <a:cs typeface="Courier New" pitchFamily="49" charset="0"/>
               </a:rPr>
-              <a:t>(permet de gérer le placement d’un objet</a:t>
+              <a:t>(permet de gérer le placement d’un objet)</a:t>
+            </a:r>
+          </a:p>
+          <a:p>
+            <a:pPr lvl="1"/>
+            <a:r>
+              <a:rPr lang="fr-FR" dirty="0" err="1" smtClean="0"/>
+              <a:t>Rasterable</a:t>
+            </a:r>
+            <a:r>
+              <a:rPr lang="fr-FR" sz="1800" dirty="0" smtClean="0">
+                <a:latin typeface="Courier New" pitchFamily="49" charset="0"/>
+                <a:cs typeface="Courier New" pitchFamily="49" charset="0"/>
+              </a:rPr>
+              <a:t>(permet de gérer l’effet raster bar)</a:t>
+            </a:r>
+          </a:p>
+          <a:p>
+            <a:pPr lvl="1"/>
+            <a:r>
+              <a:rPr lang="fr-FR" dirty="0" smtClean="0"/>
+              <a:t>Body </a:t>
+            </a:r>
+            <a:r>
+              <a:rPr lang="fr-FR" sz="1800" dirty="0" smtClean="0">
+                <a:latin typeface="Courier New" pitchFamily="49" charset="0"/>
+                <a:cs typeface="Courier New" pitchFamily="49" charset="0"/>
+              </a:rPr>
+              <a:t>(représente un objet soumis à la gravité</a:t>
             </a:r>
             <a:r>
               <a:rPr lang="fr-FR" sz="1800" dirty="0" smtClean="0">
@@ -40611,42 +40373,6 @@
               </a:rPr>
               <a:t>)</a:t>
             </a:r>
-          </a:p>
-          <a:p>
-            <a:pPr lvl="1"/>
-            <a:r>
-              <a:rPr lang="fr-FR" dirty="0" err="1" smtClean="0"/>
-              <a:t>Rasterable</a:t>
-            </a:r>
-            <a:r>
-              <a:rPr lang="fr-FR" sz="1800" dirty="0" smtClean="0">
-                <a:latin typeface="Courier New" pitchFamily="49" charset="0"/>
-                <a:cs typeface="Courier New" pitchFamily="49" charset="0"/>
-              </a:rPr>
-              <a:t>(permet de gérer l’effet raster bar)</a:t>
-            </a:r>
-            <a:endParaRPr lang="fr-FR" sz="1800" dirty="0" smtClean="0">
-              <a:latin typeface="Courier New" pitchFamily="49" charset="0"/>
-              <a:cs typeface="Courier New" pitchFamily="49" charset="0"/>
-            </a:endParaRPr>
-          </a:p>
-          <a:p>
-            <a:pPr lvl="1"/>
-            <a:r>
-              <a:rPr lang="fr-FR" dirty="0" smtClean="0"/>
-              <a:t>Body </a:t>
-            </a:r>
-            <a:r>
-              <a:rPr lang="fr-FR" sz="1800" dirty="0" smtClean="0">
-                <a:latin typeface="Courier New" pitchFamily="49" charset="0"/>
-                <a:cs typeface="Courier New" pitchFamily="49" charset="0"/>
-              </a:rPr>
-              <a:t>(représente un objet soumis à la gravité)</a:t>
-            </a:r>
-            <a:endParaRPr lang="fr-FR" sz="1800" dirty="0">
-              <a:latin typeface="Courier New" pitchFamily="49" charset="0"/>
-              <a:cs typeface="Courier New" pitchFamily="49" charset="0"/>
-            </a:endParaRPr>
           </a:p>
         </p:txBody>
       </p:sp>
@@ -45737,14 +45463,7 @@
                 <a:latin typeface="Courier New" pitchFamily="49" charset="0"/>
                 <a:cs typeface="Courier New" pitchFamily="49" charset="0"/>
               </a:rPr>
-              <a:t>, </a:t>
-            </a:r>
-            <a:r>
-              <a:rPr lang="fr-FR" sz="1800" i="1" dirty="0" smtClean="0">
-                <a:latin typeface="Courier New" pitchFamily="49" charset="0"/>
-                <a:cs typeface="Courier New" pitchFamily="49" charset="0"/>
-              </a:rPr>
-              <a:t>Animation, </a:t>
+              <a:t>, Animation, </a:t>
             </a:r>
             <a:r>
               <a:rPr lang="fr-FR" sz="1800" i="1" dirty="0" err="1" smtClean="0">
@@ -45956,84 +45675,6 @@
                 <a:cs typeface="Courier New" pitchFamily="49" charset="0"/>
               </a:rPr>
               <a:t>)</a:t>
-            </a:r>
-          </a:p>
-          <a:p>
-            <a:pPr lvl="1"/>
-            <a:r>
-              <a:rPr lang="fr-FR" dirty="0"/>
-              <a:t>i</a:t>
-            </a:r>
-            <a:r>
-              <a:rPr lang="fr-FR" dirty="0" smtClean="0"/>
-              <a:t>nput</a:t>
-            </a:r>
-            <a:r>
-              <a:rPr lang="fr-FR" sz="1800" dirty="0" smtClean="0"/>
-              <a:t> </a:t>
-            </a:r>
-            <a:r>
-              <a:rPr lang="fr-FR" sz="1800" i="1" dirty="0" smtClean="0">
-                <a:latin typeface="Courier New" pitchFamily="49" charset="0"/>
-                <a:cs typeface="Courier New" pitchFamily="49" charset="0"/>
-              </a:rPr>
-              <a:t>(Keyboard, Mouse)</a:t>
-            </a:r>
-          </a:p>
-          <a:p>
-            <a:pPr lvl="1"/>
-            <a:r>
-              <a:rPr lang="fr-FR" dirty="0" smtClean="0"/>
-              <a:t>utility</a:t>
-            </a:r>
-            <a:r>
-              <a:rPr lang="fr-FR" sz="1800" i="1" dirty="0" smtClean="0">
-                <a:latin typeface="Courier New" pitchFamily="49" charset="0"/>
-                <a:cs typeface="Courier New" pitchFamily="49" charset="0"/>
-              </a:rPr>
-              <a:t>(</a:t>
-            </a:r>
-            <a:r>
-              <a:rPr lang="fr-FR" sz="1800" i="1" dirty="0" err="1" smtClean="0">
-                <a:latin typeface="Courier New" pitchFamily="49" charset="0"/>
-                <a:cs typeface="Courier New" pitchFamily="49" charset="0"/>
-              </a:rPr>
-              <a:t>UtilityImage</a:t>
-            </a:r>
-            <a:r>
-              <a:rPr lang="fr-FR" sz="1800" i="1" dirty="0" smtClean="0">
-                <a:latin typeface="Courier New" pitchFamily="49" charset="0"/>
-                <a:cs typeface="Courier New" pitchFamily="49" charset="0"/>
-              </a:rPr>
-              <a:t>, </a:t>
-            </a:r>
-            <a:r>
-              <a:rPr lang="fr-FR" sz="1800" i="1" dirty="0" err="1" smtClean="0">
-                <a:latin typeface="Courier New" pitchFamily="49" charset="0"/>
-                <a:cs typeface="Courier New" pitchFamily="49" charset="0"/>
-              </a:rPr>
-              <a:t>UtilityMath</a:t>
-            </a:r>
-            <a:r>
-              <a:rPr lang="fr-FR" sz="1800" i="1" dirty="0" smtClean="0">
-                <a:latin typeface="Courier New" pitchFamily="49" charset="0"/>
-                <a:cs typeface="Courier New" pitchFamily="49" charset="0"/>
-              </a:rPr>
-              <a:t>, </a:t>
-            </a:r>
-            <a:r>
-              <a:rPr lang="fr-FR" sz="1800" i="1" dirty="0" err="1" smtClean="0">
-                <a:latin typeface="Courier New" pitchFamily="49" charset="0"/>
-                <a:cs typeface="Courier New" pitchFamily="49" charset="0"/>
-              </a:rPr>
-              <a:t>UtilityRandom</a:t>
-            </a:r>
-            <a:r>
-              <a:rPr lang="fr-FR" sz="1800" i="1" dirty="0" smtClean="0">
-                <a:latin typeface="Courier New" pitchFamily="49" charset="0"/>
-                <a:cs typeface="Courier New" pitchFamily="49" charset="0"/>
-              </a:rPr>
-              <a:t>…)</a:t>
             </a:r>
             <a:endParaRPr lang="fr-FR" sz="1800" i="1" dirty="0" smtClean="0">
               <a:latin typeface="Courier New" pitchFamily="49" charset="0"/>
@@ -46217,7 +45858,7 @@
             <p:ph sz="quarter" idx="1"/>
             <p:extLst>
               <p:ext uri="{D42A27DB-BD31-4B8C-83A1-F6EECF244321}">
-                <p14:modId xmlns:p14="http://schemas.microsoft.com/office/powerpoint/2010/main" val="2579665573"/>
+                <p14:modId xmlns:p14="http://schemas.microsoft.com/office/powerpoint/2010/main" val="1184381120"/>
               </p:ext>
             </p:extLst>
           </p:nvPr>

--- a/doc/src/lionengine.pptx
+++ b/doc/src/lionengine.pptx
@@ -6876,17 +6876,17 @@
     </dgm:pt>
   </dgm:ptLst>
   <dgm:cxnLst>
+    <dgm:cxn modelId="{B3EF336B-9E31-4E8E-AA15-FCFD9A986A32}" srcId="{DC064894-6A42-4AD7-BAF4-D69F41465C73}" destId="{1AFAA640-80AC-4484-9644-A2C0E46C71AE}" srcOrd="1" destOrd="0" parTransId="{260074B3-1A3F-4F92-A7E2-F1B14FF4D570}" sibTransId="{09BE3009-A15C-4CF2-9A5E-DFD68823F325}"/>
+    <dgm:cxn modelId="{ABEF0DE1-96F6-4197-86D1-E91D1056EDD5}" type="presOf" srcId="{0FC4C2C7-D0F5-43E7-B7CD-CC8FFDCC95EC}" destId="{CFA77F99-9B57-4B85-8F36-9E8152D51015}" srcOrd="0" destOrd="0" presId="urn:microsoft.com/office/officeart/2005/8/layout/radial3"/>
+    <dgm:cxn modelId="{044A3ACA-33D0-40AC-9684-528B0F96E251}" type="presOf" srcId="{EB18D41C-BDFD-42DA-88F8-9DD6C17305D2}" destId="{78072E67-AF67-48FA-BDCD-99E29DE7D183}" srcOrd="0" destOrd="0" presId="urn:microsoft.com/office/officeart/2005/8/layout/radial3"/>
+    <dgm:cxn modelId="{486CD393-5E02-4366-9CA5-AEB1C3FB98F4}" srcId="{0FC4C2C7-D0F5-43E7-B7CD-CC8FFDCC95EC}" destId="{DC064894-6A42-4AD7-BAF4-D69F41465C73}" srcOrd="0" destOrd="0" parTransId="{01D6B8F3-0843-4C74-AFFC-D87FB858175C}" sibTransId="{297CB09C-5090-4CB3-95A5-C19E7C9706F3}"/>
+    <dgm:cxn modelId="{845C22AB-F8A6-44BF-84A3-1025EA47A136}" type="presOf" srcId="{DC064894-6A42-4AD7-BAF4-D69F41465C73}" destId="{12AA5828-EA59-467E-A802-FA02470A5FCA}" srcOrd="0" destOrd="0" presId="urn:microsoft.com/office/officeart/2005/8/layout/radial3"/>
     <dgm:cxn modelId="{E9CFA00D-9285-4549-84C0-3BDB9FC97285}" type="presOf" srcId="{8AEF435A-0464-43B2-B91E-906DD266D617}" destId="{795110FA-EAA4-4001-8B50-4541BB71D1EC}" srcOrd="0" destOrd="0" presId="urn:microsoft.com/office/officeart/2005/8/layout/radial3"/>
     <dgm:cxn modelId="{8564C4E5-D039-4239-B201-5DF8EF56B6CA}" srcId="{DC064894-6A42-4AD7-BAF4-D69F41465C73}" destId="{8AEF435A-0464-43B2-B91E-906DD266D617}" srcOrd="3" destOrd="0" parTransId="{67B5FF21-D565-4F5E-ACA6-7046DC020A91}" sibTransId="{24102B90-9141-4B5B-8C0C-3DEA63715B2C}"/>
     <dgm:cxn modelId="{9DF4EA8A-8F9C-4697-BBDC-B3159CFABCEB}" type="presOf" srcId="{374590A3-9640-4FB6-A28A-E2B60068BBE8}" destId="{344A7221-815F-426B-B422-45F204A2BB50}" srcOrd="0" destOrd="0" presId="urn:microsoft.com/office/officeart/2005/8/layout/radial3"/>
+    <dgm:cxn modelId="{76F139AF-EE7D-41B8-A94C-78ECBB5A2868}" type="presOf" srcId="{1AFAA640-80AC-4484-9644-A2C0E46C71AE}" destId="{2A7E91C4-76CB-4721-B3D5-4E10FA695679}" srcOrd="0" destOrd="0" presId="urn:microsoft.com/office/officeart/2005/8/layout/radial3"/>
+    <dgm:cxn modelId="{83B7777A-19EA-45D9-B224-AAA146986DE0}" srcId="{DC064894-6A42-4AD7-BAF4-D69F41465C73}" destId="{374590A3-9640-4FB6-A28A-E2B60068BBE8}" srcOrd="0" destOrd="0" parTransId="{107FE185-174C-418D-97EA-1F302FC2FFA6}" sibTransId="{D1258BD4-5149-4D10-A8FE-D92827B6A55A}"/>
     <dgm:cxn modelId="{BE1D3402-38F9-4669-AE4B-035FADDD196F}" srcId="{DC064894-6A42-4AD7-BAF4-D69F41465C73}" destId="{EB18D41C-BDFD-42DA-88F8-9DD6C17305D2}" srcOrd="2" destOrd="0" parTransId="{81D857C5-3675-40E5-A9D4-87F9E19CE06D}" sibTransId="{05311F57-F18D-4827-BC3F-543227AF0CD8}"/>
-    <dgm:cxn modelId="{76F139AF-EE7D-41B8-A94C-78ECBB5A2868}" type="presOf" srcId="{1AFAA640-80AC-4484-9644-A2C0E46C71AE}" destId="{2A7E91C4-76CB-4721-B3D5-4E10FA695679}" srcOrd="0" destOrd="0" presId="urn:microsoft.com/office/officeart/2005/8/layout/radial3"/>
-    <dgm:cxn modelId="{845C22AB-F8A6-44BF-84A3-1025EA47A136}" type="presOf" srcId="{DC064894-6A42-4AD7-BAF4-D69F41465C73}" destId="{12AA5828-EA59-467E-A802-FA02470A5FCA}" srcOrd="0" destOrd="0" presId="urn:microsoft.com/office/officeart/2005/8/layout/radial3"/>
-    <dgm:cxn modelId="{B3EF336B-9E31-4E8E-AA15-FCFD9A986A32}" srcId="{DC064894-6A42-4AD7-BAF4-D69F41465C73}" destId="{1AFAA640-80AC-4484-9644-A2C0E46C71AE}" srcOrd="1" destOrd="0" parTransId="{260074B3-1A3F-4F92-A7E2-F1B14FF4D570}" sibTransId="{09BE3009-A15C-4CF2-9A5E-DFD68823F325}"/>
-    <dgm:cxn modelId="{486CD393-5E02-4366-9CA5-AEB1C3FB98F4}" srcId="{0FC4C2C7-D0F5-43E7-B7CD-CC8FFDCC95EC}" destId="{DC064894-6A42-4AD7-BAF4-D69F41465C73}" srcOrd="0" destOrd="0" parTransId="{01D6B8F3-0843-4C74-AFFC-D87FB858175C}" sibTransId="{297CB09C-5090-4CB3-95A5-C19E7C9706F3}"/>
-    <dgm:cxn modelId="{ABEF0DE1-96F6-4197-86D1-E91D1056EDD5}" type="presOf" srcId="{0FC4C2C7-D0F5-43E7-B7CD-CC8FFDCC95EC}" destId="{CFA77F99-9B57-4B85-8F36-9E8152D51015}" srcOrd="0" destOrd="0" presId="urn:microsoft.com/office/officeart/2005/8/layout/radial3"/>
-    <dgm:cxn modelId="{044A3ACA-33D0-40AC-9684-528B0F96E251}" type="presOf" srcId="{EB18D41C-BDFD-42DA-88F8-9DD6C17305D2}" destId="{78072E67-AF67-48FA-BDCD-99E29DE7D183}" srcOrd="0" destOrd="0" presId="urn:microsoft.com/office/officeart/2005/8/layout/radial3"/>
-    <dgm:cxn modelId="{83B7777A-19EA-45D9-B224-AAA146986DE0}" srcId="{DC064894-6A42-4AD7-BAF4-D69F41465C73}" destId="{374590A3-9640-4FB6-A28A-E2B60068BBE8}" srcOrd="0" destOrd="0" parTransId="{107FE185-174C-418D-97EA-1F302FC2FFA6}" sibTransId="{D1258BD4-5149-4D10-A8FE-D92827B6A55A}"/>
     <dgm:cxn modelId="{F68499DF-D415-47A3-B658-98B2DB8D8C42}" type="presParOf" srcId="{CFA77F99-9B57-4B85-8F36-9E8152D51015}" destId="{BCA1FA56-786E-4313-AC5C-AB8542BCCA4E}" srcOrd="0" destOrd="0" presId="urn:microsoft.com/office/officeart/2005/8/layout/radial3"/>
     <dgm:cxn modelId="{3DF9537E-6A76-475E-AAF9-78A07F8611EC}" type="presParOf" srcId="{BCA1FA56-786E-4313-AC5C-AB8542BCCA4E}" destId="{12AA5828-EA59-467E-A802-FA02470A5FCA}" srcOrd="0" destOrd="0" presId="urn:microsoft.com/office/officeart/2005/8/layout/radial3"/>
     <dgm:cxn modelId="{774E7407-7CB1-4638-9126-6456511C75A7}" type="presParOf" srcId="{BCA1FA56-786E-4313-AC5C-AB8542BCCA4E}" destId="{344A7221-815F-426B-B422-45F204A2BB50}" srcOrd="1" destOrd="0" presId="urn:microsoft.com/office/officeart/2005/8/layout/radial3"/>
@@ -33094,7 +33094,7 @@
           <a:p>
             <a:fld id="{7011E69A-6C3D-49BF-BD64-39027DFF6D9F}" type="datetimeFigureOut">
               <a:rPr lang="fr-FR" smtClean="0"/>
-              <a:t>05/10/2013</a:t>
+              <a:t>06/10/2013</a:t>
             </a:fld>
             <a:endParaRPr lang="fr-FR"/>
           </a:p>
@@ -33259,7 +33259,7 @@
           <a:p>
             <a:fld id="{450F901E-04C0-46F2-9379-59BF332F2F2D}" type="datetimeFigureOut">
               <a:rPr lang="fr-FR" smtClean="0"/>
-              <a:t>05/10/2013</a:t>
+              <a:t>06/10/2013</a:t>
             </a:fld>
             <a:endParaRPr lang="fr-FR" dirty="0"/>
           </a:p>
@@ -33986,7 +33986,7 @@
           <a:p>
             <a:fld id="{12F20915-7C67-4634-A5D8-123A69D3450C}" type="datetime1">
               <a:rPr lang="fr-FR" smtClean="0"/>
-              <a:t>05/10/2013</a:t>
+              <a:t>06/10/2013</a:t>
             </a:fld>
             <a:endParaRPr lang="en-US" dirty="0"/>
           </a:p>
@@ -34188,7 +34188,7 @@
           <a:p>
             <a:fld id="{2384A8FC-7B55-40A5-B33A-A5A21761988E}" type="datetime1">
               <a:rPr lang="fr-FR" smtClean="0"/>
-              <a:t>05/10/2013</a:t>
+              <a:t>06/10/2013</a:t>
             </a:fld>
             <a:endParaRPr lang="en-US"/>
           </a:p>
@@ -34377,7 +34377,7 @@
           <a:p>
             <a:fld id="{06836D45-C7BB-455F-9C10-B2EC6D70AD43}" type="datetime1">
               <a:rPr lang="fr-FR" smtClean="0"/>
-              <a:t>05/10/2013</a:t>
+              <a:t>06/10/2013</a:t>
             </a:fld>
             <a:endParaRPr lang="en-US"/>
           </a:p>
@@ -34657,7 +34657,7 @@
           <a:p>
             <a:fld id="{94ECD26F-6B54-488F-A41A-8F8D17B8D1E7}" type="datetime1">
               <a:rPr lang="fr-FR" smtClean="0"/>
-              <a:t>05/10/2013</a:t>
+              <a:t>06/10/2013</a:t>
             </a:fld>
             <a:endParaRPr lang="en-US"/>
           </a:p>
@@ -35100,7 +35100,7 @@
           <a:p>
             <a:fld id="{902E46E6-5785-4C01-A4FA-D9138E8D39F1}" type="datetime1">
               <a:rPr lang="fr-FR" smtClean="0"/>
-              <a:t>05/10/2013</a:t>
+              <a:t>06/10/2013</a:t>
             </a:fld>
             <a:endParaRPr lang="en-US"/>
           </a:p>
@@ -35353,7 +35353,7 @@
           <a:p>
             <a:fld id="{E37538CF-0A64-40DC-ACAE-A1A01767E9BB}" type="datetime1">
               <a:rPr lang="fr-FR" smtClean="0"/>
-              <a:t>05/10/2013</a:t>
+              <a:t>06/10/2013</a:t>
             </a:fld>
             <a:endParaRPr lang="en-US"/>
           </a:p>
@@ -35600,7 +35600,7 @@
           <a:p>
             <a:fld id="{E24D2700-FAB9-4EC5-833A-BAABD9C3976F}" type="datetime1">
               <a:rPr lang="fr-FR" smtClean="0"/>
-              <a:t>05/10/2013</a:t>
+              <a:t>06/10/2013</a:t>
             </a:fld>
             <a:endParaRPr lang="en-US"/>
           </a:p>
@@ -35799,7 +35799,7 @@
           <a:p>
             <a:fld id="{DECD032C-F0B6-43CF-9069-0621198CB85E}" type="datetime1">
               <a:rPr lang="fr-FR" smtClean="0"/>
-              <a:t>05/10/2013</a:t>
+              <a:t>06/10/2013</a:t>
             </a:fld>
             <a:endParaRPr lang="en-US"/>
           </a:p>
@@ -35901,7 +35901,7 @@
           <a:p>
             <a:fld id="{B2E7E3DA-57C2-4A4D-B010-BCB245593FE5}" type="datetime1">
               <a:rPr lang="fr-FR" smtClean="0"/>
-              <a:t>05/10/2013</a:t>
+              <a:t>06/10/2013</a:t>
             </a:fld>
             <a:endParaRPr lang="en-US"/>
           </a:p>
@@ -36041,7 +36041,7 @@
           <a:p>
             <a:fld id="{CBB9F109-E754-4CCC-A7B1-F4F6237E38C1}" type="datetime1">
               <a:rPr lang="fr-FR" smtClean="0"/>
-              <a:t>05/10/2013</a:t>
+              <a:t>06/10/2013</a:t>
             </a:fld>
             <a:endParaRPr lang="en-US"/>
           </a:p>
@@ -36563,7 +36563,7 @@
           <a:p>
             <a:fld id="{60D7E2F9-E6A8-4DA9-9914-BA60BD91563C}" type="datetime1">
               <a:rPr lang="fr-FR" smtClean="0"/>
-              <a:t>05/10/2013</a:t>
+              <a:t>06/10/2013</a:t>
             </a:fld>
             <a:endParaRPr lang="en-US"/>
           </a:p>
@@ -36828,7 +36828,7 @@
           <a:p>
             <a:fld id="{1F2438D6-D77E-4059-83C5-4B30AFB8DDBF}" type="datetime1">
               <a:rPr lang="fr-FR" smtClean="0"/>
-              <a:t>05/10/2013</a:t>
+              <a:t>06/10/2013</a:t>
             </a:fld>
             <a:endParaRPr lang="en-US"/>
           </a:p>
@@ -37459,7 +37459,7 @@
             <a:fld id="{F0116066-8E82-4E82-B0B5-60D788EDB8F1}" type="datetime1">
               <a:rPr lang="fr-FR" smtClean="0"/>
               <a:pPr/>
-              <a:t>05/10/2013</a:t>
+              <a:t>06/10/2013</a:t>
             </a:fld>
             <a:endParaRPr lang="en-US" dirty="0"/>
           </a:p>
@@ -37937,7 +37937,7 @@
       </p:sp>
       <p:pic>
         <p:nvPicPr>
-          <p:cNvPr id="7" name="Espace réservé du contenu 6"/>
+          <p:cNvPr id="6" name="Espace réservé du contenu 5"/>
           <p:cNvPicPr>
             <a:picLocks noGrp="1" noChangeAspect="1"/>
           </p:cNvPicPr>
@@ -37959,8 +37959,8 @@
         </p:blipFill>
         <p:spPr>
           <a:xfrm>
-            <a:off x="2051720" y="1556792"/>
-            <a:ext cx="5131218" cy="4726503"/>
+            <a:off x="612775" y="2263571"/>
+            <a:ext cx="8153400" cy="3169057"/>
           </a:xfrm>
         </p:spPr>
       </p:pic>
@@ -38349,10 +38349,6 @@
               </a:rPr>
               <a:t>)</a:t>
             </a:r>
-            <a:endParaRPr lang="fr-FR" sz="2000" dirty="0" smtClean="0">
-              <a:latin typeface="Courier New" pitchFamily="49" charset="0"/>
-              <a:cs typeface="Courier New" pitchFamily="49" charset="0"/>
-            </a:endParaRPr>
           </a:p>
           <a:p>
             <a:pPr lvl="1"/>
@@ -39193,7 +39189,7 @@
       </p:sp>
       <p:pic>
         <p:nvPicPr>
-          <p:cNvPr id="7" name="Espace réservé du contenu 6"/>
+          <p:cNvPr id="6" name="Espace réservé du contenu 5"/>
           <p:cNvPicPr>
             <a:picLocks noGrp="1" noChangeAspect="1"/>
           </p:cNvPicPr>
@@ -39215,8 +39211,8 @@
         </p:blipFill>
         <p:spPr>
           <a:xfrm>
-            <a:off x="1732778" y="1600200"/>
-            <a:ext cx="5913394" cy="4495800"/>
+            <a:off x="1547664" y="1515622"/>
+            <a:ext cx="6120680" cy="4792542"/>
           </a:xfrm>
         </p:spPr>
       </p:pic>
@@ -39372,7 +39368,7 @@
             <a:pPr lvl="1"/>
             <a:r>
               <a:rPr lang="fr-FR" dirty="0" err="1" smtClean="0"/>
-              <a:t>EntityObject</a:t>
+              <a:t>ObjectGame</a:t>
             </a:r>
             <a:r>
               <a:rPr lang="fr-FR" dirty="0" smtClean="0"/>
@@ -40364,14 +40360,7 @@
                 <a:latin typeface="Courier New" pitchFamily="49" charset="0"/>
                 <a:cs typeface="Courier New" pitchFamily="49" charset="0"/>
               </a:rPr>
-              <a:t>(représente un objet soumis à la gravité</a:t>
-            </a:r>
-            <a:r>
-              <a:rPr lang="fr-FR" sz="1800" dirty="0" smtClean="0">
-                <a:latin typeface="Courier New" pitchFamily="49" charset="0"/>
-                <a:cs typeface="Courier New" pitchFamily="49" charset="0"/>
-              </a:rPr>
-              <a:t>)</a:t>
+              <a:t>(représente un objet soumis à la gravité)</a:t>
             </a:r>
           </a:p>
         </p:txBody>
@@ -45676,10 +45665,6 @@
               </a:rPr>
               <a:t>)</a:t>
             </a:r>
-            <a:endParaRPr lang="fr-FR" sz="1800" i="1" dirty="0" smtClean="0">
-              <a:latin typeface="Courier New" pitchFamily="49" charset="0"/>
-              <a:cs typeface="Courier New" pitchFamily="49" charset="0"/>
-            </a:endParaRPr>
           </a:p>
         </p:txBody>
       </p:sp>

--- a/doc/src/lionengine.pptx
+++ b/doc/src/lionengine.pptx
@@ -33094,7 +33094,7 @@
           <a:p>
             <a:fld id="{7011E69A-6C3D-49BF-BD64-39027DFF6D9F}" type="datetimeFigureOut">
               <a:rPr lang="fr-FR" smtClean="0"/>
-              <a:t>06/10/2013</a:t>
+              <a:t>10/10/2013</a:t>
             </a:fld>
             <a:endParaRPr lang="fr-FR"/>
           </a:p>
@@ -33259,7 +33259,7 @@
           <a:p>
             <a:fld id="{450F901E-04C0-46F2-9379-59BF332F2F2D}" type="datetimeFigureOut">
               <a:rPr lang="fr-FR" smtClean="0"/>
-              <a:t>06/10/2013</a:t>
+              <a:t>10/10/2013</a:t>
             </a:fld>
             <a:endParaRPr lang="fr-FR" dirty="0"/>
           </a:p>
@@ -33986,7 +33986,7 @@
           <a:p>
             <a:fld id="{12F20915-7C67-4634-A5D8-123A69D3450C}" type="datetime1">
               <a:rPr lang="fr-FR" smtClean="0"/>
-              <a:t>06/10/2013</a:t>
+              <a:t>10/10/2013</a:t>
             </a:fld>
             <a:endParaRPr lang="en-US" dirty="0"/>
           </a:p>
@@ -34188,7 +34188,7 @@
           <a:p>
             <a:fld id="{2384A8FC-7B55-40A5-B33A-A5A21761988E}" type="datetime1">
               <a:rPr lang="fr-FR" smtClean="0"/>
-              <a:t>06/10/2013</a:t>
+              <a:t>10/10/2013</a:t>
             </a:fld>
             <a:endParaRPr lang="en-US"/>
           </a:p>
@@ -34377,7 +34377,7 @@
           <a:p>
             <a:fld id="{06836D45-C7BB-455F-9C10-B2EC6D70AD43}" type="datetime1">
               <a:rPr lang="fr-FR" smtClean="0"/>
-              <a:t>06/10/2013</a:t>
+              <a:t>10/10/2013</a:t>
             </a:fld>
             <a:endParaRPr lang="en-US"/>
           </a:p>
@@ -34657,7 +34657,7 @@
           <a:p>
             <a:fld id="{94ECD26F-6B54-488F-A41A-8F8D17B8D1E7}" type="datetime1">
               <a:rPr lang="fr-FR" smtClean="0"/>
-              <a:t>06/10/2013</a:t>
+              <a:t>10/10/2013</a:t>
             </a:fld>
             <a:endParaRPr lang="en-US"/>
           </a:p>
@@ -35100,7 +35100,7 @@
           <a:p>
             <a:fld id="{902E46E6-5785-4C01-A4FA-D9138E8D39F1}" type="datetime1">
               <a:rPr lang="fr-FR" smtClean="0"/>
-              <a:t>06/10/2013</a:t>
+              <a:t>10/10/2013</a:t>
             </a:fld>
             <a:endParaRPr lang="en-US"/>
           </a:p>
@@ -35353,7 +35353,7 @@
           <a:p>
             <a:fld id="{E37538CF-0A64-40DC-ACAE-A1A01767E9BB}" type="datetime1">
               <a:rPr lang="fr-FR" smtClean="0"/>
-              <a:t>06/10/2013</a:t>
+              <a:t>10/10/2013</a:t>
             </a:fld>
             <a:endParaRPr lang="en-US"/>
           </a:p>
@@ -35600,7 +35600,7 @@
           <a:p>
             <a:fld id="{E24D2700-FAB9-4EC5-833A-BAABD9C3976F}" type="datetime1">
               <a:rPr lang="fr-FR" smtClean="0"/>
-              <a:t>06/10/2013</a:t>
+              <a:t>10/10/2013</a:t>
             </a:fld>
             <a:endParaRPr lang="en-US"/>
           </a:p>
@@ -35799,7 +35799,7 @@
           <a:p>
             <a:fld id="{DECD032C-F0B6-43CF-9069-0621198CB85E}" type="datetime1">
               <a:rPr lang="fr-FR" smtClean="0"/>
-              <a:t>06/10/2013</a:t>
+              <a:t>10/10/2013</a:t>
             </a:fld>
             <a:endParaRPr lang="en-US"/>
           </a:p>
@@ -35901,7 +35901,7 @@
           <a:p>
             <a:fld id="{B2E7E3DA-57C2-4A4D-B010-BCB245593FE5}" type="datetime1">
               <a:rPr lang="fr-FR" smtClean="0"/>
-              <a:t>06/10/2013</a:t>
+              <a:t>10/10/2013</a:t>
             </a:fld>
             <a:endParaRPr lang="en-US"/>
           </a:p>
@@ -36041,7 +36041,7 @@
           <a:p>
             <a:fld id="{CBB9F109-E754-4CCC-A7B1-F4F6237E38C1}" type="datetime1">
               <a:rPr lang="fr-FR" smtClean="0"/>
-              <a:t>06/10/2013</a:t>
+              <a:t>10/10/2013</a:t>
             </a:fld>
             <a:endParaRPr lang="en-US"/>
           </a:p>
@@ -36563,7 +36563,7 @@
           <a:p>
             <a:fld id="{60D7E2F9-E6A8-4DA9-9914-BA60BD91563C}" type="datetime1">
               <a:rPr lang="fr-FR" smtClean="0"/>
-              <a:t>06/10/2013</a:t>
+              <a:t>10/10/2013</a:t>
             </a:fld>
             <a:endParaRPr lang="en-US"/>
           </a:p>
@@ -36828,7 +36828,7 @@
           <a:p>
             <a:fld id="{1F2438D6-D77E-4059-83C5-4B30AFB8DDBF}" type="datetime1">
               <a:rPr lang="fr-FR" smtClean="0"/>
-              <a:t>06/10/2013</a:t>
+              <a:t>10/10/2013</a:t>
             </a:fld>
             <a:endParaRPr lang="en-US"/>
           </a:p>
@@ -37459,7 +37459,7 @@
             <a:fld id="{F0116066-8E82-4E82-B0B5-60D788EDB8F1}" type="datetime1">
               <a:rPr lang="fr-FR" smtClean="0"/>
               <a:pPr/>
-              <a:t>06/10/2013</a:t>
+              <a:t>10/10/2013</a:t>
             </a:fld>
             <a:endParaRPr lang="en-US" dirty="0"/>
           </a:p>
@@ -41340,7 +41340,7 @@
       </p:sp>
       <p:pic>
         <p:nvPicPr>
-          <p:cNvPr id="6" name="Espace réservé du contenu 5"/>
+          <p:cNvPr id="9" name="Espace réservé du contenu 8"/>
           <p:cNvPicPr>
             <a:picLocks noGrp="1" noChangeAspect="1"/>
           </p:cNvPicPr>
@@ -41362,8 +41362,8 @@
         </p:blipFill>
         <p:spPr>
           <a:xfrm>
-            <a:off x="1032956" y="1600200"/>
-            <a:ext cx="7313037" cy="4495800"/>
+            <a:off x="1490138" y="1600200"/>
+            <a:ext cx="6398673" cy="4495800"/>
           </a:xfrm>
         </p:spPr>
       </p:pic>
@@ -43932,7 +43932,7 @@
       </p:sp>
       <p:pic>
         <p:nvPicPr>
-          <p:cNvPr id="7" name="Espace réservé du contenu 6"/>
+          <p:cNvPr id="6" name="Espace réservé du contenu 5"/>
           <p:cNvPicPr>
             <a:picLocks noGrp="1" noChangeAspect="1"/>
           </p:cNvPicPr>
@@ -43954,8 +43954,8 @@
         </p:blipFill>
         <p:spPr>
           <a:xfrm>
-            <a:off x="962457" y="1600200"/>
-            <a:ext cx="7454036" cy="4495800"/>
+            <a:off x="899592" y="1530547"/>
+            <a:ext cx="7560839" cy="4806165"/>
           </a:xfrm>
         </p:spPr>
       </p:pic>
